--- a/Extract, Transform, Load.pptx
+++ b/Extract, Transform, Load.pptx
@@ -8,20 +8,25 @@
     <p:sldId id="256" r:id="rId2"/>
     <p:sldId id="269" r:id="rId3"/>
     <p:sldId id="271" r:id="rId4"/>
-    <p:sldId id="267" r:id="rId5"/>
-    <p:sldId id="257" r:id="rId6"/>
-    <p:sldId id="258" r:id="rId7"/>
-    <p:sldId id="259" r:id="rId8"/>
-    <p:sldId id="260" r:id="rId9"/>
-    <p:sldId id="261" r:id="rId10"/>
-    <p:sldId id="262" r:id="rId11"/>
-    <p:sldId id="263" r:id="rId12"/>
-    <p:sldId id="264" r:id="rId13"/>
-    <p:sldId id="265" r:id="rId14"/>
-    <p:sldId id="266" r:id="rId15"/>
-    <p:sldId id="268" r:id="rId16"/>
-    <p:sldId id="270" r:id="rId17"/>
-    <p:sldId id="272" r:id="rId18"/>
+    <p:sldId id="257" r:id="rId5"/>
+    <p:sldId id="258" r:id="rId6"/>
+    <p:sldId id="259" r:id="rId7"/>
+    <p:sldId id="260" r:id="rId8"/>
+    <p:sldId id="261" r:id="rId9"/>
+    <p:sldId id="262" r:id="rId10"/>
+    <p:sldId id="263" r:id="rId11"/>
+    <p:sldId id="264" r:id="rId12"/>
+    <p:sldId id="265" r:id="rId13"/>
+    <p:sldId id="266" r:id="rId14"/>
+    <p:sldId id="268" r:id="rId15"/>
+    <p:sldId id="270" r:id="rId16"/>
+    <p:sldId id="267" r:id="rId17"/>
+    <p:sldId id="273" r:id="rId18"/>
+    <p:sldId id="274" r:id="rId19"/>
+    <p:sldId id="276" r:id="rId20"/>
+    <p:sldId id="275" r:id="rId21"/>
+    <p:sldId id="272" r:id="rId22"/>
+    <p:sldId id="277" r:id="rId23"/>
   </p:sldIdLst>
   <p:sldSz cx="12192000" cy="6858000"/>
   <p:notesSz cx="6858000" cy="9144000"/>
@@ -120,6 +125,11 @@
       </a:defRPr>
     </a:lvl9pPr>
   </p:defaultTextStyle>
+  <p:extLst>
+    <p:ext uri="{EFAFB233-063F-42B5-8137-9DF3F51BA10A}">
+      <p15:sldGuideLst xmlns:p15="http://schemas.microsoft.com/office/powerpoint/2012/main"/>
+    </p:ext>
+  </p:extLst>
 </p:presentation>
 </file>
 
@@ -813,7 +823,7 @@
             <a:fld id="{D200B3F0-A9BC-48CE-8EB6-ECE965069900}" type="datetimeFigureOut">
               <a:rPr lang="en-US" dirty="0"/>
               <a:pPr/>
-              <a:t>03/12/2021</a:t>
+              <a:t>03/13/2021</a:t>
             </a:fld>
             <a:endParaRPr lang="en-US" dirty="0"/>
           </a:p>
@@ -1970,7 +1980,7 @@
           <a:p>
             <a:fld id="{3DF9FFFF-3106-4DDB-AA62-0C80862170D6}" type="datetimeFigureOut">
               <a:rPr lang="en-US" dirty="0"/>
-              <a:t>03/12/2021</a:t>
+              <a:t>03/13/2021</a:t>
             </a:fld>
             <a:endParaRPr lang="en-US" dirty="0"/>
           </a:p>
@@ -3020,7 +3030,7 @@
           <a:p>
             <a:fld id="{A3DA38B7-AE95-4DC8-9A51-7A71F545B098}" type="datetimeFigureOut">
               <a:rPr lang="en-US" dirty="0"/>
-              <a:t>03/12/2021</a:t>
+              <a:t>03/13/2021</a:t>
             </a:fld>
             <a:endParaRPr lang="en-US" dirty="0"/>
           </a:p>
@@ -4229,7 +4239,7 @@
           <a:p>
             <a:fld id="{86F1EC2B-8188-4AC2-9F0D-8D09C51D505A}" type="datetimeFigureOut">
               <a:rPr lang="en-US" dirty="0"/>
-              <a:t>03/12/2021</a:t>
+              <a:t>03/13/2021</a:t>
             </a:fld>
             <a:endParaRPr lang="en-US" dirty="0"/>
           </a:p>
@@ -5329,7 +5339,7 @@
           <a:p>
             <a:fld id="{9212B75E-944F-430B-BE5F-C69FA8823C04}" type="datetimeFigureOut">
               <a:rPr lang="en-US" dirty="0"/>
-              <a:t>03/12/2021</a:t>
+              <a:t>03/13/2021</a:t>
             </a:fld>
             <a:endParaRPr lang="en-US" dirty="0"/>
           </a:p>
@@ -5977,7 +5987,7 @@
           <a:p>
             <a:fld id="{79AE0DC7-7F53-471C-A711-B3DA6F2535F3}" type="datetimeFigureOut">
               <a:rPr lang="en-US" dirty="0"/>
-              <a:t>03/12/2021</a:t>
+              <a:t>03/13/2021</a:t>
             </a:fld>
             <a:endParaRPr lang="en-US" dirty="0"/>
           </a:p>
@@ -6820,7 +6830,7 @@
           <a:p>
             <a:fld id="{3C1F4C9D-4618-451D-80C1-6A376BB42AB4}" type="datetimeFigureOut">
               <a:rPr lang="en-US" dirty="0"/>
-              <a:t>03/12/2021</a:t>
+              <a:t>03/13/2021</a:t>
             </a:fld>
             <a:endParaRPr lang="en-US" dirty="0"/>
           </a:p>
@@ -7001,7 +7011,7 @@
           <a:p>
             <a:fld id="{F54D2318-CE40-42F6-962A-4C6D6CF697DB}" type="datetimeFigureOut">
               <a:rPr lang="en-US" dirty="0"/>
-              <a:t>03/12/2021</a:t>
+              <a:t>03/13/2021</a:t>
             </a:fld>
             <a:endParaRPr lang="en-US" dirty="0"/>
           </a:p>
@@ -8038,7 +8048,7 @@
           <a:p>
             <a:fld id="{0C476AC1-EB7F-4BEF-90D9-5764B50DAF8A}" type="datetimeFigureOut">
               <a:rPr lang="en-US" dirty="0"/>
-              <a:t>03/12/2021</a:t>
+              <a:t>03/13/2021</a:t>
             </a:fld>
             <a:endParaRPr lang="en-US" dirty="0"/>
           </a:p>
@@ -8250,7 +8260,7 @@
           <a:p>
             <a:fld id="{1B20712A-F861-4AB0-A754-4F5A2033CD4B}" type="datetimeFigureOut">
               <a:rPr lang="en-US" dirty="0"/>
-              <a:t>03/12/2021</a:t>
+              <a:t>03/13/2021</a:t>
             </a:fld>
             <a:endParaRPr lang="en-US" dirty="0"/>
           </a:p>
@@ -9351,7 +9361,7 @@
           <a:p>
             <a:fld id="{324507B7-F2DC-4B2C-B14D-58A9766807A2}" type="datetimeFigureOut">
               <a:rPr lang="en-US" dirty="0"/>
-              <a:t>03/12/2021</a:t>
+              <a:t>03/13/2021</a:t>
             </a:fld>
             <a:endParaRPr lang="en-US" dirty="0"/>
           </a:p>
@@ -9619,7 +9629,7 @@
           <a:p>
             <a:fld id="{904A483D-5CB4-4842-8F2F-05D5276ACF63}" type="datetimeFigureOut">
               <a:rPr lang="en-US" dirty="0"/>
-              <a:t>03/12/2021</a:t>
+              <a:t>03/13/2021</a:t>
             </a:fld>
             <a:endParaRPr lang="en-US" dirty="0"/>
           </a:p>
@@ -9997,7 +10007,7 @@
           <a:p>
             <a:fld id="{1D1CE32E-9DC0-47C8-A657-48F5C3E4A10B}" type="datetimeFigureOut">
               <a:rPr lang="en-US" dirty="0"/>
-              <a:t>03/12/2021</a:t>
+              <a:t>03/13/2021</a:t>
             </a:fld>
             <a:endParaRPr lang="en-US" dirty="0"/>
           </a:p>
@@ -10111,7 +10121,7 @@
           <a:p>
             <a:fld id="{2BDF5C0D-8C3A-4771-A43D-83937FC700D4}" type="datetimeFigureOut">
               <a:rPr lang="en-US" dirty="0"/>
-              <a:t>03/12/2021</a:t>
+              <a:t>03/13/2021</a:t>
             </a:fld>
             <a:endParaRPr lang="en-US" dirty="0"/>
           </a:p>
@@ -10202,7 +10212,7 @@
           <a:p>
             <a:fld id="{0203D2D6-FCC2-425A-A4A7-8058E8C01CB1}" type="datetimeFigureOut">
               <a:rPr lang="en-US" dirty="0"/>
-              <a:t>03/12/2021</a:t>
+              <a:t>03/13/2021</a:t>
             </a:fld>
             <a:endParaRPr lang="en-US" dirty="0"/>
           </a:p>
@@ -11350,7 +11360,7 @@
           <a:p>
             <a:fld id="{D8CF2683-E6E7-4CC3-9EEE-7854DD4F3545}" type="datetimeFigureOut">
               <a:rPr lang="en-US" dirty="0"/>
-              <a:t>03/12/2021</a:t>
+              <a:t>03/13/2021</a:t>
             </a:fld>
             <a:endParaRPr lang="en-US" dirty="0"/>
           </a:p>
@@ -12522,7 +12532,7 @@
           <a:p>
             <a:fld id="{7E120F81-B39D-4CBB-8BF3-5D6E395D0F72}" type="datetimeFigureOut">
               <a:rPr lang="en-US" dirty="0"/>
-              <a:t>03/12/2021</a:t>
+              <a:t>03/13/2021</a:t>
             </a:fld>
             <a:endParaRPr lang="en-US" dirty="0"/>
           </a:p>
@@ -13624,7 +13634,7 @@
           <a:p>
             <a:fld id="{564B320A-89BA-47B2-A525-92E8D10B06E4}" type="datetimeFigureOut">
               <a:rPr lang="en-US" dirty="0"/>
-              <a:t>03/12/2021</a:t>
+              <a:t>03/13/2021</a:t>
             </a:fld>
             <a:endParaRPr lang="en-US" dirty="0"/>
           </a:p>
@@ -14237,6 +14247,2740 @@
       </p:grpSpPr>
       <p:sp>
         <p:nvSpPr>
+          <p:cNvPr id="5" name="Title 4">
+            <a:extLst>
+              <a:ext uri="{FF2B5EF4-FFF2-40B4-BE49-F238E27FC236}">
+                <a16:creationId xmlns:a16="http://schemas.microsoft.com/office/drawing/2014/main" id="{90FD2B8A-CCB1-4C48-886F-5C4685F991D3}"/>
+              </a:ext>
+            </a:extLst>
+          </p:cNvPr>
+          <p:cNvSpPr>
+            <a:spLocks noGrp="1"/>
+          </p:cNvSpPr>
+          <p:nvPr>
+            <p:ph type="title"/>
+          </p:nvPr>
+        </p:nvSpPr>
+        <p:spPr/>
+        <p:txBody>
+          <a:bodyPr/>
+          <a:lstStyle/>
+          <a:p>
+            <a:pPr algn="ctr"/>
+            <a:r>
+              <a:rPr lang="en-US" sz="3200" dirty="0"/>
+              <a:t>Convert Data Dictionary into </a:t>
+            </a:r>
+            <a:r>
+              <a:rPr lang="en-US" sz="3200" dirty="0" err="1"/>
+              <a:t>DataFrame</a:t>
+            </a:r>
+            <a:endParaRPr lang="en-US" sz="3200" dirty="0"/>
+          </a:p>
+        </p:txBody>
+      </p:sp>
+      <p:pic>
+        <p:nvPicPr>
+          <p:cNvPr id="8" name="Content Placeholder 7">
+            <a:extLst>
+              <a:ext uri="{FF2B5EF4-FFF2-40B4-BE49-F238E27FC236}">
+                <a16:creationId xmlns:a16="http://schemas.microsoft.com/office/drawing/2014/main" id="{37F47315-4DD1-4FB3-AAA8-08A25A697D7C}"/>
+              </a:ext>
+            </a:extLst>
+          </p:cNvPr>
+          <p:cNvPicPr>
+            <a:picLocks noGrp="1" noChangeAspect="1"/>
+          </p:cNvPicPr>
+          <p:nvPr>
+            <p:ph idx="1"/>
+          </p:nvPr>
+        </p:nvPicPr>
+        <p:blipFill>
+          <a:blip r:embed="rId2"/>
+          <a:stretch>
+            <a:fillRect/>
+          </a:stretch>
+        </p:blipFill>
+        <p:spPr>
+          <a:xfrm>
+            <a:off x="1155700" y="3242653"/>
+            <a:ext cx="8761413" cy="2137994"/>
+          </a:xfrm>
+        </p:spPr>
+      </p:pic>
+    </p:spTree>
+    <p:extLst>
+      <p:ext uri="{BB962C8B-B14F-4D97-AF65-F5344CB8AC3E}">
+        <p14:creationId xmlns:p14="http://schemas.microsoft.com/office/powerpoint/2010/main" val="261821696"/>
+      </p:ext>
+    </p:extLst>
+  </p:cSld>
+  <p:clrMapOvr>
+    <a:masterClrMapping/>
+  </p:clrMapOvr>
+</p:sld>
+</file>
+
+<file path=ppt/slides/slide11.xml><?xml version="1.0" encoding="utf-8"?>
+<p:sld xmlns:a="http://schemas.openxmlformats.org/drawingml/2006/main" xmlns:r="http://schemas.openxmlformats.org/officeDocument/2006/relationships" xmlns:p="http://schemas.openxmlformats.org/presentationml/2006/main">
+  <p:cSld>
+    <p:spTree>
+      <p:nvGrpSpPr>
+        <p:cNvPr id="1" name=""/>
+        <p:cNvGrpSpPr/>
+        <p:nvPr/>
+      </p:nvGrpSpPr>
+      <p:grpSpPr>
+        <a:xfrm>
+          <a:off x="0" y="0"/>
+          <a:ext cx="0" cy="0"/>
+          <a:chOff x="0" y="0"/>
+          <a:chExt cx="0" cy="0"/>
+        </a:xfrm>
+      </p:grpSpPr>
+      <p:sp>
+        <p:nvSpPr>
+          <p:cNvPr id="2" name="Title 1">
+            <a:extLst>
+              <a:ext uri="{FF2B5EF4-FFF2-40B4-BE49-F238E27FC236}">
+                <a16:creationId xmlns:a16="http://schemas.microsoft.com/office/drawing/2014/main" id="{7B4D7A18-C982-4778-A7C1-B99783CEAC03}"/>
+              </a:ext>
+            </a:extLst>
+          </p:cNvPr>
+          <p:cNvSpPr>
+            <a:spLocks noGrp="1"/>
+          </p:cNvSpPr>
+          <p:nvPr>
+            <p:ph type="title"/>
+          </p:nvPr>
+        </p:nvSpPr>
+        <p:spPr/>
+        <p:txBody>
+          <a:bodyPr/>
+          <a:lstStyle/>
+          <a:p>
+            <a:pPr algn="ctr"/>
+            <a:r>
+              <a:rPr lang="en-US" dirty="0"/>
+              <a:t>Select * From </a:t>
+            </a:r>
+            <a:r>
+              <a:rPr lang="en-US" dirty="0" err="1"/>
+              <a:t>cleaned_movies</a:t>
+            </a:r>
+            <a:endParaRPr lang="en-US" dirty="0"/>
+          </a:p>
+        </p:txBody>
+      </p:sp>
+      <p:pic>
+        <p:nvPicPr>
+          <p:cNvPr id="14" name="Content Placeholder 13">
+            <a:extLst>
+              <a:ext uri="{FF2B5EF4-FFF2-40B4-BE49-F238E27FC236}">
+                <a16:creationId xmlns:a16="http://schemas.microsoft.com/office/drawing/2014/main" id="{2C4BF490-63B1-425F-B14A-B0E14B99966D}"/>
+              </a:ext>
+            </a:extLst>
+          </p:cNvPr>
+          <p:cNvPicPr>
+            <a:picLocks noGrp="1" noChangeAspect="1"/>
+          </p:cNvPicPr>
+          <p:nvPr>
+            <p:ph idx="1"/>
+          </p:nvPr>
+        </p:nvPicPr>
+        <p:blipFill>
+          <a:blip r:embed="rId2"/>
+          <a:stretch>
+            <a:fillRect/>
+          </a:stretch>
+        </p:blipFill>
+        <p:spPr>
+          <a:xfrm>
+            <a:off x="1155700" y="2678552"/>
+            <a:ext cx="8761413" cy="3266196"/>
+          </a:xfrm>
+        </p:spPr>
+      </p:pic>
+    </p:spTree>
+    <p:extLst>
+      <p:ext uri="{BB962C8B-B14F-4D97-AF65-F5344CB8AC3E}">
+        <p14:creationId xmlns:p14="http://schemas.microsoft.com/office/powerpoint/2010/main" val="2349291178"/>
+      </p:ext>
+    </p:extLst>
+  </p:cSld>
+  <p:clrMapOvr>
+    <a:masterClrMapping/>
+  </p:clrMapOvr>
+</p:sld>
+</file>
+
+<file path=ppt/slides/slide12.xml><?xml version="1.0" encoding="utf-8"?>
+<p:sld xmlns:a="http://schemas.openxmlformats.org/drawingml/2006/main" xmlns:r="http://schemas.openxmlformats.org/officeDocument/2006/relationships" xmlns:p="http://schemas.openxmlformats.org/presentationml/2006/main">
+  <p:cSld>
+    <p:spTree>
+      <p:nvGrpSpPr>
+        <p:cNvPr id="1" name=""/>
+        <p:cNvGrpSpPr/>
+        <p:nvPr/>
+      </p:nvGrpSpPr>
+      <p:grpSpPr>
+        <a:xfrm>
+          <a:off x="0" y="0"/>
+          <a:ext cx="0" cy="0"/>
+          <a:chOff x="0" y="0"/>
+          <a:chExt cx="0" cy="0"/>
+        </a:xfrm>
+      </p:grpSpPr>
+      <p:sp>
+        <p:nvSpPr>
+          <p:cNvPr id="2" name="Title 1">
+            <a:extLst>
+              <a:ext uri="{FF2B5EF4-FFF2-40B4-BE49-F238E27FC236}">
+                <a16:creationId xmlns:a16="http://schemas.microsoft.com/office/drawing/2014/main" id="{CF873A0E-594B-47E4-9673-E804023D0FEA}"/>
+              </a:ext>
+            </a:extLst>
+          </p:cNvPr>
+          <p:cNvSpPr>
+            <a:spLocks noGrp="1"/>
+          </p:cNvSpPr>
+          <p:nvPr>
+            <p:ph type="title"/>
+          </p:nvPr>
+        </p:nvSpPr>
+        <p:spPr/>
+        <p:txBody>
+          <a:bodyPr/>
+          <a:lstStyle/>
+          <a:p>
+            <a:pPr algn="ctr"/>
+            <a:r>
+              <a:rPr lang="en-US" dirty="0"/>
+              <a:t>Select * From genre</a:t>
+            </a:r>
+          </a:p>
+        </p:txBody>
+      </p:sp>
+      <p:pic>
+        <p:nvPicPr>
+          <p:cNvPr id="5" name="Content Placeholder 4">
+            <a:extLst>
+              <a:ext uri="{FF2B5EF4-FFF2-40B4-BE49-F238E27FC236}">
+                <a16:creationId xmlns:a16="http://schemas.microsoft.com/office/drawing/2014/main" id="{A79ADCF5-E122-4415-BB3C-003113BB5582}"/>
+              </a:ext>
+            </a:extLst>
+          </p:cNvPr>
+          <p:cNvPicPr>
+            <a:picLocks noGrp="1" noChangeAspect="1"/>
+          </p:cNvPicPr>
+          <p:nvPr>
+            <p:ph idx="1"/>
+          </p:nvPr>
+        </p:nvPicPr>
+        <p:blipFill>
+          <a:blip r:embed="rId2"/>
+          <a:stretch>
+            <a:fillRect/>
+          </a:stretch>
+        </p:blipFill>
+        <p:spPr>
+          <a:xfrm>
+            <a:off x="1263847" y="2849358"/>
+            <a:ext cx="8545118" cy="2924583"/>
+          </a:xfrm>
+        </p:spPr>
+      </p:pic>
+    </p:spTree>
+    <p:extLst>
+      <p:ext uri="{BB962C8B-B14F-4D97-AF65-F5344CB8AC3E}">
+        <p14:creationId xmlns:p14="http://schemas.microsoft.com/office/powerpoint/2010/main" val="2673104254"/>
+      </p:ext>
+    </p:extLst>
+  </p:cSld>
+  <p:clrMapOvr>
+    <a:masterClrMapping/>
+  </p:clrMapOvr>
+</p:sld>
+</file>
+
+<file path=ppt/slides/slide13.xml><?xml version="1.0" encoding="utf-8"?>
+<p:sld xmlns:a="http://schemas.openxmlformats.org/drawingml/2006/main" xmlns:r="http://schemas.openxmlformats.org/officeDocument/2006/relationships" xmlns:p="http://schemas.openxmlformats.org/presentationml/2006/main">
+  <p:cSld>
+    <p:spTree>
+      <p:nvGrpSpPr>
+        <p:cNvPr id="1" name=""/>
+        <p:cNvGrpSpPr/>
+        <p:nvPr/>
+      </p:nvGrpSpPr>
+      <p:grpSpPr>
+        <a:xfrm>
+          <a:off x="0" y="0"/>
+          <a:ext cx="0" cy="0"/>
+          <a:chOff x="0" y="0"/>
+          <a:chExt cx="0" cy="0"/>
+        </a:xfrm>
+      </p:grpSpPr>
+      <p:sp>
+        <p:nvSpPr>
+          <p:cNvPr id="2" name="Title 1">
+            <a:extLst>
+              <a:ext uri="{FF2B5EF4-FFF2-40B4-BE49-F238E27FC236}">
+                <a16:creationId xmlns:a16="http://schemas.microsoft.com/office/drawing/2014/main" id="{E1D09225-BADC-4B41-880E-49FFD0D6407B}"/>
+              </a:ext>
+            </a:extLst>
+          </p:cNvPr>
+          <p:cNvSpPr>
+            <a:spLocks noGrp="1"/>
+          </p:cNvSpPr>
+          <p:nvPr>
+            <p:ph type="title"/>
+          </p:nvPr>
+        </p:nvSpPr>
+        <p:spPr/>
+        <p:txBody>
+          <a:bodyPr/>
+          <a:lstStyle/>
+          <a:p>
+            <a:pPr algn="ctr"/>
+            <a:r>
+              <a:rPr lang="en-US" dirty="0"/>
+              <a:t>Select * From tags</a:t>
+            </a:r>
+          </a:p>
+        </p:txBody>
+      </p:sp>
+      <p:pic>
+        <p:nvPicPr>
+          <p:cNvPr id="13" name="Content Placeholder 12">
+            <a:extLst>
+              <a:ext uri="{FF2B5EF4-FFF2-40B4-BE49-F238E27FC236}">
+                <a16:creationId xmlns:a16="http://schemas.microsoft.com/office/drawing/2014/main" id="{47F43A8E-123F-4AA9-B646-FABC690380F2}"/>
+              </a:ext>
+            </a:extLst>
+          </p:cNvPr>
+          <p:cNvPicPr>
+            <a:picLocks noGrp="1" noChangeAspect="1"/>
+          </p:cNvPicPr>
+          <p:nvPr>
+            <p:ph idx="1"/>
+          </p:nvPr>
+        </p:nvPicPr>
+        <p:blipFill>
+          <a:blip r:embed="rId2"/>
+          <a:stretch>
+            <a:fillRect/>
+          </a:stretch>
+        </p:blipFill>
+        <p:spPr>
+          <a:xfrm>
+            <a:off x="1155700" y="3113946"/>
+            <a:ext cx="8761413" cy="2395407"/>
+          </a:xfrm>
+        </p:spPr>
+      </p:pic>
+    </p:spTree>
+    <p:extLst>
+      <p:ext uri="{BB962C8B-B14F-4D97-AF65-F5344CB8AC3E}">
+        <p14:creationId xmlns:p14="http://schemas.microsoft.com/office/powerpoint/2010/main" val="898147838"/>
+      </p:ext>
+    </p:extLst>
+  </p:cSld>
+  <p:clrMapOvr>
+    <a:masterClrMapping/>
+  </p:clrMapOvr>
+</p:sld>
+</file>
+
+<file path=ppt/slides/slide14.xml><?xml version="1.0" encoding="utf-8"?>
+<p:sld xmlns:a="http://schemas.openxmlformats.org/drawingml/2006/main" xmlns:r="http://schemas.openxmlformats.org/officeDocument/2006/relationships" xmlns:p="http://schemas.openxmlformats.org/presentationml/2006/main">
+  <p:cSld>
+    <p:spTree>
+      <p:nvGrpSpPr>
+        <p:cNvPr id="1" name=""/>
+        <p:cNvGrpSpPr/>
+        <p:nvPr/>
+      </p:nvGrpSpPr>
+      <p:grpSpPr>
+        <a:xfrm>
+          <a:off x="0" y="0"/>
+          <a:ext cx="0" cy="0"/>
+          <a:chOff x="0" y="0"/>
+          <a:chExt cx="0" cy="0"/>
+        </a:xfrm>
+      </p:grpSpPr>
+      <p:sp>
+        <p:nvSpPr>
+          <p:cNvPr id="2" name="Title 1">
+            <a:extLst>
+              <a:ext uri="{FF2B5EF4-FFF2-40B4-BE49-F238E27FC236}">
+                <a16:creationId xmlns:a16="http://schemas.microsoft.com/office/drawing/2014/main" id="{E21F8CBE-7015-4484-8070-931AFBA6E2BB}"/>
+              </a:ext>
+            </a:extLst>
+          </p:cNvPr>
+          <p:cNvSpPr>
+            <a:spLocks noGrp="1"/>
+          </p:cNvSpPr>
+          <p:nvPr>
+            <p:ph type="title"/>
+          </p:nvPr>
+        </p:nvSpPr>
+        <p:spPr/>
+        <p:txBody>
+          <a:bodyPr/>
+          <a:lstStyle/>
+          <a:p>
+            <a:pPr algn="ctr"/>
+            <a:r>
+              <a:rPr lang="en-US" dirty="0"/>
+              <a:t>Select * From ratings</a:t>
+            </a:r>
+          </a:p>
+        </p:txBody>
+      </p:sp>
+      <p:pic>
+        <p:nvPicPr>
+          <p:cNvPr id="5" name="Content Placeholder 4">
+            <a:extLst>
+              <a:ext uri="{FF2B5EF4-FFF2-40B4-BE49-F238E27FC236}">
+                <a16:creationId xmlns:a16="http://schemas.microsoft.com/office/drawing/2014/main" id="{FFCD6CAB-BB47-4AEA-B05E-638C150865E1}"/>
+              </a:ext>
+            </a:extLst>
+          </p:cNvPr>
+          <p:cNvPicPr>
+            <a:picLocks noGrp="1" noChangeAspect="1"/>
+          </p:cNvPicPr>
+          <p:nvPr>
+            <p:ph idx="1"/>
+          </p:nvPr>
+        </p:nvPicPr>
+        <p:blipFill>
+          <a:blip r:embed="rId2"/>
+          <a:stretch>
+            <a:fillRect/>
+          </a:stretch>
+        </p:blipFill>
+        <p:spPr>
+          <a:xfrm>
+            <a:off x="1211453" y="2768384"/>
+            <a:ext cx="8649907" cy="3086531"/>
+          </a:xfrm>
+        </p:spPr>
+      </p:pic>
+    </p:spTree>
+    <p:extLst>
+      <p:ext uri="{BB962C8B-B14F-4D97-AF65-F5344CB8AC3E}">
+        <p14:creationId xmlns:p14="http://schemas.microsoft.com/office/powerpoint/2010/main" val="2768107940"/>
+      </p:ext>
+    </p:extLst>
+  </p:cSld>
+  <p:clrMapOvr>
+    <a:masterClrMapping/>
+  </p:clrMapOvr>
+</p:sld>
+</file>
+
+<file path=ppt/slides/slide15.xml><?xml version="1.0" encoding="utf-8"?>
+<p:sld xmlns:a="http://schemas.openxmlformats.org/drawingml/2006/main" xmlns:r="http://schemas.openxmlformats.org/officeDocument/2006/relationships" xmlns:p="http://schemas.openxmlformats.org/presentationml/2006/main">
+  <p:cSld>
+    <p:spTree>
+      <p:nvGrpSpPr>
+        <p:cNvPr id="1" name=""/>
+        <p:cNvGrpSpPr/>
+        <p:nvPr/>
+      </p:nvGrpSpPr>
+      <p:grpSpPr>
+        <a:xfrm>
+          <a:off x="0" y="0"/>
+          <a:ext cx="0" cy="0"/>
+          <a:chOff x="0" y="0"/>
+          <a:chExt cx="0" cy="0"/>
+        </a:xfrm>
+      </p:grpSpPr>
+      <p:sp>
+        <p:nvSpPr>
+          <p:cNvPr id="2" name="Title 1">
+            <a:extLst>
+              <a:ext uri="{FF2B5EF4-FFF2-40B4-BE49-F238E27FC236}">
+                <a16:creationId xmlns:a16="http://schemas.microsoft.com/office/drawing/2014/main" id="{C9BC048F-EF88-4FAF-991F-7A16A53F47FC}"/>
+              </a:ext>
+            </a:extLst>
+          </p:cNvPr>
+          <p:cNvSpPr>
+            <a:spLocks noGrp="1"/>
+          </p:cNvSpPr>
+          <p:nvPr>
+            <p:ph type="title"/>
+          </p:nvPr>
+        </p:nvSpPr>
+        <p:spPr/>
+        <p:txBody>
+          <a:bodyPr/>
+          <a:lstStyle/>
+          <a:p>
+            <a:pPr algn="ctr"/>
+            <a:r>
+              <a:rPr lang="en-US" dirty="0"/>
+              <a:t>Select * From links</a:t>
+            </a:r>
+          </a:p>
+        </p:txBody>
+      </p:sp>
+      <p:pic>
+        <p:nvPicPr>
+          <p:cNvPr id="5" name="Content Placeholder 4">
+            <a:extLst>
+              <a:ext uri="{FF2B5EF4-FFF2-40B4-BE49-F238E27FC236}">
+                <a16:creationId xmlns:a16="http://schemas.microsoft.com/office/drawing/2014/main" id="{B0416372-55DD-4770-BD1A-6408A3BEB66E}"/>
+              </a:ext>
+            </a:extLst>
+          </p:cNvPr>
+          <p:cNvPicPr>
+            <a:picLocks noGrp="1" noChangeAspect="1"/>
+          </p:cNvPicPr>
+          <p:nvPr>
+            <p:ph idx="1"/>
+          </p:nvPr>
+        </p:nvPicPr>
+        <p:blipFill>
+          <a:blip r:embed="rId2"/>
+          <a:stretch>
+            <a:fillRect/>
+          </a:stretch>
+        </p:blipFill>
+        <p:spPr>
+          <a:xfrm>
+            <a:off x="1155700" y="2860928"/>
+            <a:ext cx="8761413" cy="2901444"/>
+          </a:xfrm>
+        </p:spPr>
+      </p:pic>
+    </p:spTree>
+    <p:extLst>
+      <p:ext uri="{BB962C8B-B14F-4D97-AF65-F5344CB8AC3E}">
+        <p14:creationId xmlns:p14="http://schemas.microsoft.com/office/powerpoint/2010/main" val="2148103805"/>
+      </p:ext>
+    </p:extLst>
+  </p:cSld>
+  <p:clrMapOvr>
+    <a:masterClrMapping/>
+  </p:clrMapOvr>
+</p:sld>
+</file>
+
+<file path=ppt/slides/slide16.xml><?xml version="1.0" encoding="utf-8"?>
+<p:sld xmlns:a="http://schemas.openxmlformats.org/drawingml/2006/main" xmlns:r="http://schemas.openxmlformats.org/officeDocument/2006/relationships" xmlns:p="http://schemas.openxmlformats.org/presentationml/2006/main">
+  <p:cSld>
+    <p:spTree>
+      <p:nvGrpSpPr>
+        <p:cNvPr id="1" name=""/>
+        <p:cNvGrpSpPr/>
+        <p:nvPr/>
+      </p:nvGrpSpPr>
+      <p:grpSpPr>
+        <a:xfrm>
+          <a:off x="0" y="0"/>
+          <a:ext cx="0" cy="0"/>
+          <a:chOff x="0" y="0"/>
+          <a:chExt cx="0" cy="0"/>
+        </a:xfrm>
+      </p:grpSpPr>
+      <p:sp>
+        <p:nvSpPr>
+          <p:cNvPr id="2" name="Title 1">
+            <a:extLst>
+              <a:ext uri="{FF2B5EF4-FFF2-40B4-BE49-F238E27FC236}">
+                <a16:creationId xmlns:a16="http://schemas.microsoft.com/office/drawing/2014/main" id="{2EDFE349-02A5-498F-8D57-A9CAAFD8A585}"/>
+              </a:ext>
+            </a:extLst>
+          </p:cNvPr>
+          <p:cNvSpPr>
+            <a:spLocks noGrp="1"/>
+          </p:cNvSpPr>
+          <p:nvPr>
+            <p:ph type="title"/>
+          </p:nvPr>
+        </p:nvSpPr>
+        <p:spPr/>
+        <p:txBody>
+          <a:bodyPr/>
+          <a:lstStyle/>
+          <a:p>
+            <a:pPr algn="ctr"/>
+            <a:r>
+              <a:rPr lang="en-US" dirty="0"/>
+              <a:t>Entity Relationship Diagram (ERD)</a:t>
+            </a:r>
+          </a:p>
+        </p:txBody>
+      </p:sp>
+      <p:pic>
+        <p:nvPicPr>
+          <p:cNvPr id="5" name="Content Placeholder 4">
+            <a:extLst>
+              <a:ext uri="{FF2B5EF4-FFF2-40B4-BE49-F238E27FC236}">
+                <a16:creationId xmlns:a16="http://schemas.microsoft.com/office/drawing/2014/main" id="{69BAC5FE-BA7D-49F2-AC80-6EF0A41F4DE9}"/>
+              </a:ext>
+            </a:extLst>
+          </p:cNvPr>
+          <p:cNvPicPr>
+            <a:picLocks noGrp="1" noChangeAspect="1"/>
+          </p:cNvPicPr>
+          <p:nvPr>
+            <p:ph idx="1"/>
+          </p:nvPr>
+        </p:nvPicPr>
+        <p:blipFill>
+          <a:blip r:embed="rId2"/>
+          <a:stretch>
+            <a:fillRect/>
+          </a:stretch>
+        </p:blipFill>
+        <p:spPr>
+          <a:xfrm>
+            <a:off x="3042717" y="2603500"/>
+            <a:ext cx="5597429" cy="3834180"/>
+          </a:xfrm>
+        </p:spPr>
+      </p:pic>
+    </p:spTree>
+    <p:extLst>
+      <p:ext uri="{BB962C8B-B14F-4D97-AF65-F5344CB8AC3E}">
+        <p14:creationId xmlns:p14="http://schemas.microsoft.com/office/powerpoint/2010/main" val="4134739160"/>
+      </p:ext>
+    </p:extLst>
+  </p:cSld>
+  <p:clrMapOvr>
+    <a:masterClrMapping/>
+  </p:clrMapOvr>
+</p:sld>
+</file>
+
+<file path=ppt/slides/slide17.xml><?xml version="1.0" encoding="utf-8"?>
+<p:sld xmlns:a="http://schemas.openxmlformats.org/drawingml/2006/main" xmlns:r="http://schemas.openxmlformats.org/officeDocument/2006/relationships" xmlns:p="http://schemas.openxmlformats.org/presentationml/2006/main">
+  <p:cSld>
+    <p:spTree>
+      <p:nvGrpSpPr>
+        <p:cNvPr id="1" name=""/>
+        <p:cNvGrpSpPr/>
+        <p:nvPr/>
+      </p:nvGrpSpPr>
+      <p:grpSpPr>
+        <a:xfrm>
+          <a:off x="0" y="0"/>
+          <a:ext cx="0" cy="0"/>
+          <a:chOff x="0" y="0"/>
+          <a:chExt cx="0" cy="0"/>
+        </a:xfrm>
+      </p:grpSpPr>
+      <p:sp>
+        <p:nvSpPr>
+          <p:cNvPr id="2" name="Title 1">
+            <a:extLst>
+              <a:ext uri="{FF2B5EF4-FFF2-40B4-BE49-F238E27FC236}">
+                <a16:creationId xmlns:a16="http://schemas.microsoft.com/office/drawing/2014/main" id="{F6983438-53CA-4F72-A15C-BF5BB10D6A17}"/>
+              </a:ext>
+            </a:extLst>
+          </p:cNvPr>
+          <p:cNvSpPr>
+            <a:spLocks noGrp="1"/>
+          </p:cNvSpPr>
+          <p:nvPr>
+            <p:ph type="title"/>
+          </p:nvPr>
+        </p:nvSpPr>
+        <p:spPr/>
+        <p:txBody>
+          <a:bodyPr/>
+          <a:lstStyle/>
+          <a:p>
+            <a:pPr algn="ctr"/>
+            <a:r>
+              <a:rPr lang="en-US" dirty="0"/>
+              <a:t>SQL Schema</a:t>
+            </a:r>
+          </a:p>
+        </p:txBody>
+      </p:sp>
+      <p:pic>
+        <p:nvPicPr>
+          <p:cNvPr id="18" name="Content Placeholder 17">
+            <a:extLst>
+              <a:ext uri="{FF2B5EF4-FFF2-40B4-BE49-F238E27FC236}">
+                <a16:creationId xmlns:a16="http://schemas.microsoft.com/office/drawing/2014/main" id="{416F669B-88EE-4774-8D08-557F2738C686}"/>
+              </a:ext>
+            </a:extLst>
+          </p:cNvPr>
+          <p:cNvPicPr>
+            <a:picLocks noGrp="1" noChangeAspect="1"/>
+          </p:cNvPicPr>
+          <p:nvPr>
+            <p:ph sz="half" idx="2"/>
+          </p:nvPr>
+        </p:nvPicPr>
+        <p:blipFill>
+          <a:blip r:embed="rId2"/>
+          <a:stretch>
+            <a:fillRect/>
+          </a:stretch>
+        </p:blipFill>
+        <p:spPr>
+          <a:xfrm>
+            <a:off x="6678564" y="2603500"/>
+            <a:ext cx="3884709" cy="3378200"/>
+          </a:xfrm>
+        </p:spPr>
+      </p:pic>
+      <p:pic>
+        <p:nvPicPr>
+          <p:cNvPr id="16" name="Content Placeholder 15">
+            <a:extLst>
+              <a:ext uri="{FF2B5EF4-FFF2-40B4-BE49-F238E27FC236}">
+                <a16:creationId xmlns:a16="http://schemas.microsoft.com/office/drawing/2014/main" id="{CABD7D05-D76E-441B-94AA-DD3D227F4EA9}"/>
+              </a:ext>
+            </a:extLst>
+          </p:cNvPr>
+          <p:cNvPicPr>
+            <a:picLocks noGrp="1" noChangeAspect="1"/>
+          </p:cNvPicPr>
+          <p:nvPr>
+            <p:ph sz="half" idx="1"/>
+          </p:nvPr>
+        </p:nvPicPr>
+        <p:blipFill>
+          <a:blip r:embed="rId3"/>
+          <a:stretch>
+            <a:fillRect/>
+          </a:stretch>
+        </p:blipFill>
+        <p:spPr>
+          <a:xfrm>
+            <a:off x="2251897" y="2603500"/>
+            <a:ext cx="2627256" cy="3416300"/>
+          </a:xfrm>
+        </p:spPr>
+      </p:pic>
+      <p:cxnSp>
+        <p:nvCxnSpPr>
+          <p:cNvPr id="20" name="Connector: Elbow 19">
+            <a:extLst>
+              <a:ext uri="{FF2B5EF4-FFF2-40B4-BE49-F238E27FC236}">
+                <a16:creationId xmlns:a16="http://schemas.microsoft.com/office/drawing/2014/main" id="{517CA9AA-1683-4D55-8239-3FC05E1F7105}"/>
+              </a:ext>
+            </a:extLst>
+          </p:cNvPr>
+          <p:cNvCxnSpPr>
+            <a:cxnSpLocks/>
+            <a:stCxn id="16" idx="2"/>
+          </p:cNvCxnSpPr>
+          <p:nvPr/>
+        </p:nvCxnSpPr>
+        <p:spPr>
+          <a:xfrm rot="5400000" flipH="1" flipV="1">
+            <a:off x="3574202" y="3498002"/>
+            <a:ext cx="2513120" cy="2530475"/>
+          </a:xfrm>
+          <a:prstGeom prst="bentConnector4">
+            <a:avLst>
+              <a:gd name="adj1" fmla="val -9096"/>
+              <a:gd name="adj2" fmla="val 75956"/>
+            </a:avLst>
+          </a:prstGeom>
+          <a:ln>
+            <a:solidFill>
+              <a:schemeClr val="tx1"/>
+            </a:solidFill>
+            <a:headEnd type="triangle"/>
+            <a:tailEnd type="triangle"/>
+          </a:ln>
+        </p:spPr>
+        <p:style>
+          <a:lnRef idx="1">
+            <a:schemeClr val="accent1"/>
+          </a:lnRef>
+          <a:fillRef idx="0">
+            <a:schemeClr val="accent1"/>
+          </a:fillRef>
+          <a:effectRef idx="0">
+            <a:schemeClr val="accent1"/>
+          </a:effectRef>
+          <a:fontRef idx="minor">
+            <a:schemeClr val="tx1"/>
+          </a:fontRef>
+        </p:style>
+      </p:cxnSp>
+    </p:spTree>
+    <p:extLst>
+      <p:ext uri="{BB962C8B-B14F-4D97-AF65-F5344CB8AC3E}">
+        <p14:creationId xmlns:p14="http://schemas.microsoft.com/office/powerpoint/2010/main" val="4139794019"/>
+      </p:ext>
+    </p:extLst>
+  </p:cSld>
+  <p:clrMapOvr>
+    <a:masterClrMapping/>
+  </p:clrMapOvr>
+</p:sld>
+</file>
+
+<file path=ppt/slides/slide18.xml><?xml version="1.0" encoding="utf-8"?>
+<p:sld xmlns:a="http://schemas.openxmlformats.org/drawingml/2006/main" xmlns:r="http://schemas.openxmlformats.org/officeDocument/2006/relationships" xmlns:p="http://schemas.openxmlformats.org/presentationml/2006/main">
+  <p:cSld>
+    <p:spTree>
+      <p:nvGrpSpPr>
+        <p:cNvPr id="1" name=""/>
+        <p:cNvGrpSpPr/>
+        <p:nvPr/>
+      </p:nvGrpSpPr>
+      <p:grpSpPr>
+        <a:xfrm>
+          <a:off x="0" y="0"/>
+          <a:ext cx="0" cy="0"/>
+          <a:chOff x="0" y="0"/>
+          <a:chExt cx="0" cy="0"/>
+        </a:xfrm>
+      </p:grpSpPr>
+      <p:sp>
+        <p:nvSpPr>
+          <p:cNvPr id="2" name="Title 1">
+            <a:extLst>
+              <a:ext uri="{FF2B5EF4-FFF2-40B4-BE49-F238E27FC236}">
+                <a16:creationId xmlns:a16="http://schemas.microsoft.com/office/drawing/2014/main" id="{02AA1C75-481E-4EC5-B76F-DA638DB528C0}"/>
+              </a:ext>
+            </a:extLst>
+          </p:cNvPr>
+          <p:cNvSpPr>
+            <a:spLocks noGrp="1"/>
+          </p:cNvSpPr>
+          <p:nvPr>
+            <p:ph type="title"/>
+          </p:nvPr>
+        </p:nvSpPr>
+        <p:spPr/>
+        <p:txBody>
+          <a:bodyPr anchor="t"/>
+          <a:lstStyle/>
+          <a:p>
+            <a:pPr algn="ctr"/>
+            <a:r>
+              <a:rPr lang="en-US" sz="2000" dirty="0">
+                <a:solidFill>
+                  <a:schemeClr val="bg1"/>
+                </a:solidFill>
+              </a:rPr>
+              <a:t>Query Analysis: (1)</a:t>
+            </a:r>
+            <a:r>
+              <a:rPr lang="en-US" sz="2000" b="0" i="0" u="none" strike="noStrike" dirty="0">
+                <a:solidFill>
+                  <a:schemeClr val="bg1"/>
+                </a:solidFill>
+                <a:effectLst/>
+                <a:latin typeface="+mj-lt"/>
+              </a:rPr>
+              <a:t> How many movies were released in a specified   		timeframe (e.g. 2005)? [PostgreSQL]</a:t>
+            </a:r>
+            <a:br>
+              <a:rPr lang="en-US" sz="2000" b="0" i="0" u="none" strike="noStrike" dirty="0">
+                <a:solidFill>
+                  <a:srgbClr val="000000"/>
+                </a:solidFill>
+                <a:effectLst/>
+                <a:latin typeface="+mj-lt"/>
+              </a:rPr>
+            </a:br>
+            <a:r>
+              <a:rPr lang="en-US" sz="2000" dirty="0"/>
+              <a:t>  </a:t>
+            </a:r>
+          </a:p>
+        </p:txBody>
+      </p:sp>
+      <p:pic>
+        <p:nvPicPr>
+          <p:cNvPr id="7" name="Content Placeholder 6">
+            <a:extLst>
+              <a:ext uri="{FF2B5EF4-FFF2-40B4-BE49-F238E27FC236}">
+                <a16:creationId xmlns:a16="http://schemas.microsoft.com/office/drawing/2014/main" id="{8C8EC5B9-0240-40BA-BD01-ECC347C0643A}"/>
+              </a:ext>
+            </a:extLst>
+          </p:cNvPr>
+          <p:cNvPicPr>
+            <a:picLocks noGrp="1" noChangeAspect="1"/>
+          </p:cNvPicPr>
+          <p:nvPr>
+            <p:ph sz="half" idx="1"/>
+          </p:nvPr>
+        </p:nvPicPr>
+        <p:blipFill>
+          <a:blip r:embed="rId2"/>
+          <a:stretch>
+            <a:fillRect/>
+          </a:stretch>
+        </p:blipFill>
+        <p:spPr>
+          <a:xfrm>
+            <a:off x="835451" y="3272854"/>
+            <a:ext cx="4391812" cy="2178036"/>
+          </a:xfrm>
+        </p:spPr>
+      </p:pic>
+      <p:pic>
+        <p:nvPicPr>
+          <p:cNvPr id="10" name="Content Placeholder 9">
+            <a:extLst>
+              <a:ext uri="{FF2B5EF4-FFF2-40B4-BE49-F238E27FC236}">
+                <a16:creationId xmlns:a16="http://schemas.microsoft.com/office/drawing/2014/main" id="{E84705CA-3330-46E1-84CA-DF88842FA506}"/>
+              </a:ext>
+            </a:extLst>
+          </p:cNvPr>
+          <p:cNvPicPr>
+            <a:picLocks noGrp="1" noChangeAspect="1"/>
+          </p:cNvPicPr>
+          <p:nvPr>
+            <p:ph sz="half" idx="2"/>
+          </p:nvPr>
+        </p:nvPicPr>
+        <p:blipFill>
+          <a:blip r:embed="rId3"/>
+          <a:stretch>
+            <a:fillRect/>
+          </a:stretch>
+        </p:blipFill>
+        <p:spPr>
+          <a:xfrm>
+            <a:off x="6925322" y="2646537"/>
+            <a:ext cx="3391194" cy="3292125"/>
+          </a:xfrm>
+        </p:spPr>
+      </p:pic>
+      <p:cxnSp>
+        <p:nvCxnSpPr>
+          <p:cNvPr id="12" name="Straight Arrow Connector 11">
+            <a:extLst>
+              <a:ext uri="{FF2B5EF4-FFF2-40B4-BE49-F238E27FC236}">
+                <a16:creationId xmlns:a16="http://schemas.microsoft.com/office/drawing/2014/main" id="{B06BCEAA-A0F6-46E1-9E9B-CB2FEEDC2CEC}"/>
+              </a:ext>
+            </a:extLst>
+          </p:cNvPr>
+          <p:cNvCxnSpPr>
+            <a:cxnSpLocks/>
+          </p:cNvCxnSpPr>
+          <p:nvPr/>
+        </p:nvCxnSpPr>
+        <p:spPr>
+          <a:xfrm>
+            <a:off x="4500979" y="4403324"/>
+            <a:ext cx="1704512" cy="0"/>
+          </a:xfrm>
+          <a:prstGeom prst="straightConnector1">
+            <a:avLst/>
+          </a:prstGeom>
+          <a:ln>
+            <a:solidFill>
+              <a:schemeClr val="tx1"/>
+            </a:solidFill>
+            <a:headEnd type="triangle"/>
+            <a:tailEnd type="triangle"/>
+          </a:ln>
+        </p:spPr>
+        <p:style>
+          <a:lnRef idx="1">
+            <a:schemeClr val="accent1"/>
+          </a:lnRef>
+          <a:fillRef idx="0">
+            <a:schemeClr val="accent1"/>
+          </a:fillRef>
+          <a:effectRef idx="0">
+            <a:schemeClr val="accent1"/>
+          </a:effectRef>
+          <a:fontRef idx="minor">
+            <a:schemeClr val="tx1"/>
+          </a:fontRef>
+        </p:style>
+      </p:cxnSp>
+      <p:sp>
+        <p:nvSpPr>
+          <p:cNvPr id="15" name="TextBox 14">
+            <a:extLst>
+              <a:ext uri="{FF2B5EF4-FFF2-40B4-BE49-F238E27FC236}">
+                <a16:creationId xmlns:a16="http://schemas.microsoft.com/office/drawing/2014/main" id="{402E7AAF-B9D4-4D96-B249-150684B9E8A6}"/>
+              </a:ext>
+            </a:extLst>
+          </p:cNvPr>
+          <p:cNvSpPr txBox="1"/>
+          <p:nvPr/>
+        </p:nvSpPr>
+        <p:spPr>
+          <a:xfrm>
+            <a:off x="4694541" y="3769379"/>
+            <a:ext cx="1144275" cy="523220"/>
+          </a:xfrm>
+          <a:prstGeom prst="rect">
+            <a:avLst/>
+          </a:prstGeom>
+          <a:noFill/>
+        </p:spPr>
+        <p:txBody>
+          <a:bodyPr wrap="square" rtlCol="0">
+            <a:spAutoFit/>
+          </a:bodyPr>
+          <a:lstStyle/>
+          <a:p>
+            <a:pPr algn="ctr"/>
+            <a:r>
+              <a:rPr lang="en-US" sz="1400" dirty="0"/>
+              <a:t>Output for 2005</a:t>
+            </a:r>
+          </a:p>
+        </p:txBody>
+      </p:sp>
+    </p:spTree>
+    <p:extLst>
+      <p:ext uri="{BB962C8B-B14F-4D97-AF65-F5344CB8AC3E}">
+        <p14:creationId xmlns:p14="http://schemas.microsoft.com/office/powerpoint/2010/main" val="3198547696"/>
+      </p:ext>
+    </p:extLst>
+  </p:cSld>
+  <p:clrMapOvr>
+    <a:masterClrMapping/>
+  </p:clrMapOvr>
+</p:sld>
+</file>
+
+<file path=ppt/slides/slide19.xml><?xml version="1.0" encoding="utf-8"?>
+<p:sld xmlns:a="http://schemas.openxmlformats.org/drawingml/2006/main" xmlns:r="http://schemas.openxmlformats.org/officeDocument/2006/relationships" xmlns:p="http://schemas.openxmlformats.org/presentationml/2006/main">
+  <p:cSld>
+    <p:spTree>
+      <p:nvGrpSpPr>
+        <p:cNvPr id="1" name=""/>
+        <p:cNvGrpSpPr/>
+        <p:nvPr/>
+      </p:nvGrpSpPr>
+      <p:grpSpPr>
+        <a:xfrm>
+          <a:off x="0" y="0"/>
+          <a:ext cx="0" cy="0"/>
+          <a:chOff x="0" y="0"/>
+          <a:chExt cx="0" cy="0"/>
+        </a:xfrm>
+      </p:grpSpPr>
+      <p:sp>
+        <p:nvSpPr>
+          <p:cNvPr id="2" name="Title 1">
+            <a:extLst>
+              <a:ext uri="{FF2B5EF4-FFF2-40B4-BE49-F238E27FC236}">
+                <a16:creationId xmlns:a16="http://schemas.microsoft.com/office/drawing/2014/main" id="{1DBCA187-FCF7-47C5-B57A-20E2417B31F4}"/>
+              </a:ext>
+            </a:extLst>
+          </p:cNvPr>
+          <p:cNvSpPr>
+            <a:spLocks noGrp="1"/>
+          </p:cNvSpPr>
+          <p:nvPr>
+            <p:ph type="title"/>
+          </p:nvPr>
+        </p:nvSpPr>
+        <p:spPr/>
+        <p:txBody>
+          <a:bodyPr anchor="t"/>
+          <a:lstStyle/>
+          <a:p>
+            <a:pPr algn="ctr"/>
+            <a:r>
+              <a:rPr lang="en-US" sz="2000" dirty="0"/>
+              <a:t>Query Analysis: (2) Being able to get results by querying specified 			criteria (genre name)? [</a:t>
+            </a:r>
+            <a:r>
+              <a:rPr lang="en-US" sz="2000" dirty="0" err="1"/>
+              <a:t>PostgresSQL</a:t>
+            </a:r>
+            <a:r>
+              <a:rPr lang="en-US" sz="2000" dirty="0"/>
+              <a:t>]</a:t>
+            </a:r>
+            <a:br>
+              <a:rPr lang="en-US" sz="2000" dirty="0"/>
+            </a:br>
+            <a:endParaRPr lang="en-US" sz="2000" dirty="0"/>
+          </a:p>
+        </p:txBody>
+      </p:sp>
+      <p:pic>
+        <p:nvPicPr>
+          <p:cNvPr id="6" name="Content Placeholder 5">
+            <a:extLst>
+              <a:ext uri="{FF2B5EF4-FFF2-40B4-BE49-F238E27FC236}">
+                <a16:creationId xmlns:a16="http://schemas.microsoft.com/office/drawing/2014/main" id="{3E13078E-9E30-4DBA-B19A-326209725DF9}"/>
+              </a:ext>
+            </a:extLst>
+          </p:cNvPr>
+          <p:cNvPicPr>
+            <a:picLocks noGrp="1" noChangeAspect="1"/>
+          </p:cNvPicPr>
+          <p:nvPr>
+            <p:ph sz="half" idx="2"/>
+          </p:nvPr>
+        </p:nvPicPr>
+        <p:blipFill>
+          <a:blip r:embed="rId2"/>
+          <a:stretch>
+            <a:fillRect/>
+          </a:stretch>
+        </p:blipFill>
+        <p:spPr>
+          <a:xfrm>
+            <a:off x="6224309" y="2603500"/>
+            <a:ext cx="4793219" cy="3378200"/>
+          </a:xfrm>
+        </p:spPr>
+      </p:pic>
+      <p:pic>
+        <p:nvPicPr>
+          <p:cNvPr id="12" name="Content Placeholder 11">
+            <a:extLst>
+              <a:ext uri="{FF2B5EF4-FFF2-40B4-BE49-F238E27FC236}">
+                <a16:creationId xmlns:a16="http://schemas.microsoft.com/office/drawing/2014/main" id="{4E0B934D-1F40-40E2-9DCC-D0A2D3CF4ABA}"/>
+              </a:ext>
+            </a:extLst>
+          </p:cNvPr>
+          <p:cNvPicPr>
+            <a:picLocks noGrp="1" noChangeAspect="1"/>
+          </p:cNvPicPr>
+          <p:nvPr>
+            <p:ph sz="half" idx="1"/>
+          </p:nvPr>
+        </p:nvPicPr>
+        <p:blipFill>
+          <a:blip r:embed="rId3"/>
+          <a:stretch>
+            <a:fillRect/>
+          </a:stretch>
+        </p:blipFill>
+        <p:spPr>
+          <a:xfrm>
+            <a:off x="985982" y="4024136"/>
+            <a:ext cx="3667637" cy="752580"/>
+          </a:xfrm>
+        </p:spPr>
+      </p:pic>
+      <p:cxnSp>
+        <p:nvCxnSpPr>
+          <p:cNvPr id="14" name="Straight Arrow Connector 13">
+            <a:extLst>
+              <a:ext uri="{FF2B5EF4-FFF2-40B4-BE49-F238E27FC236}">
+                <a16:creationId xmlns:a16="http://schemas.microsoft.com/office/drawing/2014/main" id="{632D0214-5AA4-4D3B-87BD-47603E04214E}"/>
+              </a:ext>
+            </a:extLst>
+          </p:cNvPr>
+          <p:cNvCxnSpPr/>
+          <p:nvPr/>
+        </p:nvCxnSpPr>
+        <p:spPr>
+          <a:xfrm>
+            <a:off x="3977196" y="4400426"/>
+            <a:ext cx="1935332" cy="0"/>
+          </a:xfrm>
+          <a:prstGeom prst="straightConnector1">
+            <a:avLst/>
+          </a:prstGeom>
+          <a:ln>
+            <a:solidFill>
+              <a:schemeClr val="tx1"/>
+            </a:solidFill>
+            <a:headEnd type="triangle"/>
+            <a:tailEnd type="triangle"/>
+          </a:ln>
+        </p:spPr>
+        <p:style>
+          <a:lnRef idx="1">
+            <a:schemeClr val="accent1"/>
+          </a:lnRef>
+          <a:fillRef idx="0">
+            <a:schemeClr val="accent1"/>
+          </a:fillRef>
+          <a:effectRef idx="0">
+            <a:schemeClr val="accent1"/>
+          </a:effectRef>
+          <a:fontRef idx="minor">
+            <a:schemeClr val="tx1"/>
+          </a:fontRef>
+        </p:style>
+      </p:cxnSp>
+      <p:sp>
+        <p:nvSpPr>
+          <p:cNvPr id="15" name="TextBox 14">
+            <a:extLst>
+              <a:ext uri="{FF2B5EF4-FFF2-40B4-BE49-F238E27FC236}">
+                <a16:creationId xmlns:a16="http://schemas.microsoft.com/office/drawing/2014/main" id="{EE7E2841-C919-4595-B5F8-A745C2083700}"/>
+              </a:ext>
+            </a:extLst>
+          </p:cNvPr>
+          <p:cNvSpPr txBox="1"/>
+          <p:nvPr/>
+        </p:nvSpPr>
+        <p:spPr>
+          <a:xfrm>
+            <a:off x="4145872" y="3771504"/>
+            <a:ext cx="1597980" cy="523220"/>
+          </a:xfrm>
+          <a:prstGeom prst="rect">
+            <a:avLst/>
+          </a:prstGeom>
+          <a:noFill/>
+        </p:spPr>
+        <p:txBody>
+          <a:bodyPr wrap="square" rtlCol="0">
+            <a:spAutoFit/>
+          </a:bodyPr>
+          <a:lstStyle/>
+          <a:p>
+            <a:pPr algn="ctr"/>
+            <a:r>
+              <a:rPr lang="en-US" sz="1400" dirty="0"/>
+              <a:t>Output for Action Genre</a:t>
+            </a:r>
+          </a:p>
+        </p:txBody>
+      </p:sp>
+    </p:spTree>
+    <p:extLst>
+      <p:ext uri="{BB962C8B-B14F-4D97-AF65-F5344CB8AC3E}">
+        <p14:creationId xmlns:p14="http://schemas.microsoft.com/office/powerpoint/2010/main" val="1997313299"/>
+      </p:ext>
+    </p:extLst>
+  </p:cSld>
+  <p:clrMapOvr>
+    <a:masterClrMapping/>
+  </p:clrMapOvr>
+</p:sld>
+</file>
+
+<file path=ppt/slides/slide2.xml><?xml version="1.0" encoding="utf-8"?>
+<p:sld xmlns:a="http://schemas.openxmlformats.org/drawingml/2006/main" xmlns:r="http://schemas.openxmlformats.org/officeDocument/2006/relationships" xmlns:p="http://schemas.openxmlformats.org/presentationml/2006/main">
+  <p:cSld>
+    <p:spTree>
+      <p:nvGrpSpPr>
+        <p:cNvPr id="1" name=""/>
+        <p:cNvGrpSpPr/>
+        <p:nvPr/>
+      </p:nvGrpSpPr>
+      <p:grpSpPr>
+        <a:xfrm>
+          <a:off x="0" y="0"/>
+          <a:ext cx="0" cy="0"/>
+          <a:chOff x="0" y="0"/>
+          <a:chExt cx="0" cy="0"/>
+        </a:xfrm>
+      </p:grpSpPr>
+      <p:sp>
+        <p:nvSpPr>
+          <p:cNvPr id="2" name="Title 1">
+            <a:extLst>
+              <a:ext uri="{FF2B5EF4-FFF2-40B4-BE49-F238E27FC236}">
+                <a16:creationId xmlns:a16="http://schemas.microsoft.com/office/drawing/2014/main" id="{D4C966C3-62A0-4C54-9285-28F385F9DADF}"/>
+              </a:ext>
+            </a:extLst>
+          </p:cNvPr>
+          <p:cNvSpPr>
+            <a:spLocks noGrp="1"/>
+          </p:cNvSpPr>
+          <p:nvPr>
+            <p:ph type="title"/>
+          </p:nvPr>
+        </p:nvSpPr>
+        <p:spPr/>
+        <p:txBody>
+          <a:bodyPr/>
+          <a:lstStyle/>
+          <a:p>
+            <a:pPr algn="ctr"/>
+            <a:r>
+              <a:rPr lang="en-US" dirty="0"/>
+              <a:t>Introduction</a:t>
+            </a:r>
+          </a:p>
+        </p:txBody>
+      </p:sp>
+      <p:sp>
+        <p:nvSpPr>
+          <p:cNvPr id="3" name="Content Placeholder 2">
+            <a:extLst>
+              <a:ext uri="{FF2B5EF4-FFF2-40B4-BE49-F238E27FC236}">
+                <a16:creationId xmlns:a16="http://schemas.microsoft.com/office/drawing/2014/main" id="{4B90CCBA-2AC7-4F55-AF77-A87E523854B1}"/>
+              </a:ext>
+            </a:extLst>
+          </p:cNvPr>
+          <p:cNvSpPr>
+            <a:spLocks noGrp="1"/>
+          </p:cNvSpPr>
+          <p:nvPr>
+            <p:ph idx="1"/>
+          </p:nvPr>
+        </p:nvSpPr>
+        <p:spPr/>
+        <p:txBody>
+          <a:bodyPr>
+            <a:normAutofit fontScale="92500" lnSpcReduction="10000"/>
+          </a:bodyPr>
+          <a:lstStyle/>
+          <a:p>
+            <a:r>
+              <a:rPr lang="en-US" dirty="0"/>
+              <a:t>Dataset utilized: </a:t>
+            </a:r>
+            <a:r>
+              <a:rPr lang="en-US" dirty="0" err="1"/>
+              <a:t>MovieLens</a:t>
+            </a:r>
+            <a:r>
+              <a:rPr lang="en-US" dirty="0"/>
+              <a:t> Latest Datasets</a:t>
+            </a:r>
+          </a:p>
+          <a:p>
+            <a:r>
+              <a:rPr lang="en-US" dirty="0"/>
+              <a:t>Source: grouplens.org</a:t>
+            </a:r>
+          </a:p>
+          <a:p>
+            <a:r>
+              <a:rPr lang="en-US" dirty="0"/>
+              <a:t>Description: Dataset provides ratings from over 600 users corresponding to a sample of 9,000 movies. Additional information includes keyword tags, genre categorization, and the release year associated with each movie title.</a:t>
+            </a:r>
+          </a:p>
+          <a:p>
+            <a:r>
+              <a:rPr lang="en-US" dirty="0"/>
+              <a:t>Files under consideration:</a:t>
+            </a:r>
+          </a:p>
+          <a:p>
+            <a:pPr lvl="4">
+              <a:buFont typeface="+mj-lt"/>
+              <a:buAutoNum type="alphaLcParenR"/>
+            </a:pPr>
+            <a:r>
+              <a:rPr lang="en-US" sz="1600" dirty="0"/>
+              <a:t>movies.csv</a:t>
+            </a:r>
+          </a:p>
+          <a:p>
+            <a:pPr lvl="4">
+              <a:buFont typeface="+mj-lt"/>
+              <a:buAutoNum type="alphaLcParenR"/>
+            </a:pPr>
+            <a:r>
+              <a:rPr lang="en-US" sz="1600" dirty="0"/>
+              <a:t>ratings.csv</a:t>
+            </a:r>
+          </a:p>
+          <a:p>
+            <a:pPr lvl="4">
+              <a:buFont typeface="+mj-lt"/>
+              <a:buAutoNum type="alphaLcParenR"/>
+            </a:pPr>
+            <a:r>
+              <a:rPr lang="en-US" sz="1600" dirty="0"/>
+              <a:t>tags.csv</a:t>
+            </a:r>
+          </a:p>
+          <a:p>
+            <a:pPr lvl="4">
+              <a:buFont typeface="+mj-lt"/>
+              <a:buAutoNum type="alphaLcParenR"/>
+            </a:pPr>
+            <a:r>
+              <a:rPr lang="en-US" sz="1600" dirty="0"/>
+              <a:t>links.csv</a:t>
+            </a:r>
+          </a:p>
+        </p:txBody>
+      </p:sp>
+    </p:spTree>
+    <p:extLst>
+      <p:ext uri="{BB962C8B-B14F-4D97-AF65-F5344CB8AC3E}">
+        <p14:creationId xmlns:p14="http://schemas.microsoft.com/office/powerpoint/2010/main" val="762763380"/>
+      </p:ext>
+    </p:extLst>
+  </p:cSld>
+  <p:clrMapOvr>
+    <a:masterClrMapping/>
+  </p:clrMapOvr>
+</p:sld>
+</file>
+
+<file path=ppt/slides/slide20.xml><?xml version="1.0" encoding="utf-8"?>
+<p:sld xmlns:a="http://schemas.openxmlformats.org/drawingml/2006/main" xmlns:r="http://schemas.openxmlformats.org/officeDocument/2006/relationships" xmlns:p="http://schemas.openxmlformats.org/presentationml/2006/main">
+  <p:cSld>
+    <p:spTree>
+      <p:nvGrpSpPr>
+        <p:cNvPr id="1" name=""/>
+        <p:cNvGrpSpPr/>
+        <p:nvPr/>
+      </p:nvGrpSpPr>
+      <p:grpSpPr>
+        <a:xfrm>
+          <a:off x="0" y="0"/>
+          <a:ext cx="0" cy="0"/>
+          <a:chOff x="0" y="0"/>
+          <a:chExt cx="0" cy="0"/>
+        </a:xfrm>
+      </p:grpSpPr>
+      <p:sp>
+        <p:nvSpPr>
+          <p:cNvPr id="2" name="Title 1">
+            <a:extLst>
+              <a:ext uri="{FF2B5EF4-FFF2-40B4-BE49-F238E27FC236}">
+                <a16:creationId xmlns:a16="http://schemas.microsoft.com/office/drawing/2014/main" id="{918FE928-324B-488C-B8FE-5613C3D8C58E}"/>
+              </a:ext>
+            </a:extLst>
+          </p:cNvPr>
+          <p:cNvSpPr>
+            <a:spLocks noGrp="1"/>
+          </p:cNvSpPr>
+          <p:nvPr>
+            <p:ph type="title"/>
+          </p:nvPr>
+        </p:nvSpPr>
+        <p:spPr/>
+        <p:txBody>
+          <a:bodyPr/>
+          <a:lstStyle/>
+          <a:p>
+            <a:pPr algn="ctr"/>
+            <a:r>
+              <a:rPr lang="en-US" sz="2000" dirty="0"/>
+              <a:t>Query Analysis: (3) Obtaining results by querying specified criteria</a:t>
+            </a:r>
+            <a:br>
+              <a:rPr lang="en-US" sz="2000" dirty="0"/>
+            </a:br>
+            <a:r>
+              <a:rPr lang="en-US" sz="2000" dirty="0"/>
+              <a:t>	  (movie title or tag) [</a:t>
+            </a:r>
+            <a:r>
+              <a:rPr lang="en-US" sz="2000" dirty="0" err="1"/>
+              <a:t>PostgresSQL</a:t>
+            </a:r>
+            <a:r>
+              <a:rPr lang="en-US" sz="2000" dirty="0"/>
+              <a:t>]</a:t>
+            </a:r>
+          </a:p>
+        </p:txBody>
+      </p:sp>
+      <p:pic>
+        <p:nvPicPr>
+          <p:cNvPr id="7" name="Content Placeholder 6">
+            <a:extLst>
+              <a:ext uri="{FF2B5EF4-FFF2-40B4-BE49-F238E27FC236}">
+                <a16:creationId xmlns:a16="http://schemas.microsoft.com/office/drawing/2014/main" id="{219E9E11-AF20-4CB7-A033-12D17A8D1146}"/>
+              </a:ext>
+            </a:extLst>
+          </p:cNvPr>
+          <p:cNvPicPr>
+            <a:picLocks noGrp="1" noChangeAspect="1"/>
+          </p:cNvPicPr>
+          <p:nvPr>
+            <p:ph sz="half" idx="1"/>
+          </p:nvPr>
+        </p:nvPicPr>
+        <p:blipFill>
+          <a:blip r:embed="rId2"/>
+          <a:stretch>
+            <a:fillRect/>
+          </a:stretch>
+        </p:blipFill>
+        <p:spPr>
+          <a:xfrm>
+            <a:off x="857975" y="3268453"/>
+            <a:ext cx="4245123" cy="1818452"/>
+          </a:xfrm>
+        </p:spPr>
+      </p:pic>
+      <p:pic>
+        <p:nvPicPr>
+          <p:cNvPr id="9" name="Content Placeholder 8">
+            <a:extLst>
+              <a:ext uri="{FF2B5EF4-FFF2-40B4-BE49-F238E27FC236}">
+                <a16:creationId xmlns:a16="http://schemas.microsoft.com/office/drawing/2014/main" id="{7D08AAC0-6951-47F9-9B33-780812ED2EF7}"/>
+              </a:ext>
+            </a:extLst>
+          </p:cNvPr>
+          <p:cNvPicPr>
+            <a:picLocks noGrp="1" noChangeAspect="1"/>
+          </p:cNvPicPr>
+          <p:nvPr>
+            <p:ph sz="half" idx="2"/>
+          </p:nvPr>
+        </p:nvPicPr>
+        <p:blipFill>
+          <a:blip r:embed="rId3"/>
+          <a:stretch>
+            <a:fillRect/>
+          </a:stretch>
+        </p:blipFill>
+        <p:spPr>
+          <a:xfrm>
+            <a:off x="6794639" y="3577617"/>
+            <a:ext cx="4824412" cy="1145879"/>
+          </a:xfrm>
+        </p:spPr>
+      </p:pic>
+      <p:cxnSp>
+        <p:nvCxnSpPr>
+          <p:cNvPr id="11" name="Straight Arrow Connector 10">
+            <a:extLst>
+              <a:ext uri="{FF2B5EF4-FFF2-40B4-BE49-F238E27FC236}">
+                <a16:creationId xmlns:a16="http://schemas.microsoft.com/office/drawing/2014/main" id="{EBEE8C0E-58A3-4CF1-BAB5-862067E51DA7}"/>
+              </a:ext>
+            </a:extLst>
+          </p:cNvPr>
+          <p:cNvCxnSpPr/>
+          <p:nvPr/>
+        </p:nvCxnSpPr>
+        <p:spPr>
+          <a:xfrm>
+            <a:off x="4438835" y="4177679"/>
+            <a:ext cx="2077375" cy="0"/>
+          </a:xfrm>
+          <a:prstGeom prst="straightConnector1">
+            <a:avLst/>
+          </a:prstGeom>
+          <a:ln>
+            <a:solidFill>
+              <a:schemeClr val="tx1"/>
+            </a:solidFill>
+            <a:headEnd type="triangle"/>
+            <a:tailEnd type="triangle"/>
+          </a:ln>
+        </p:spPr>
+        <p:style>
+          <a:lnRef idx="1">
+            <a:schemeClr val="accent1"/>
+          </a:lnRef>
+          <a:fillRef idx="0">
+            <a:schemeClr val="accent1"/>
+          </a:fillRef>
+          <a:effectRef idx="0">
+            <a:schemeClr val="accent1"/>
+          </a:effectRef>
+          <a:fontRef idx="minor">
+            <a:schemeClr val="tx1"/>
+          </a:fontRef>
+        </p:style>
+      </p:cxnSp>
+      <p:sp>
+        <p:nvSpPr>
+          <p:cNvPr id="12" name="TextBox 11">
+            <a:extLst>
+              <a:ext uri="{FF2B5EF4-FFF2-40B4-BE49-F238E27FC236}">
+                <a16:creationId xmlns:a16="http://schemas.microsoft.com/office/drawing/2014/main" id="{5215C80F-97CF-40A2-807B-6C9233A083DF}"/>
+              </a:ext>
+            </a:extLst>
+          </p:cNvPr>
+          <p:cNvSpPr txBox="1"/>
+          <p:nvPr/>
+        </p:nvSpPr>
+        <p:spPr>
+          <a:xfrm>
+            <a:off x="4691848" y="3429000"/>
+            <a:ext cx="1571348" cy="584775"/>
+          </a:xfrm>
+          <a:prstGeom prst="rect">
+            <a:avLst/>
+          </a:prstGeom>
+          <a:noFill/>
+        </p:spPr>
+        <p:txBody>
+          <a:bodyPr wrap="square" rtlCol="0">
+            <a:spAutoFit/>
+          </a:bodyPr>
+          <a:lstStyle/>
+          <a:p>
+            <a:pPr algn="ctr"/>
+            <a:r>
+              <a:rPr lang="en-US" sz="1600" dirty="0"/>
+              <a:t>Output for Toy Story</a:t>
+            </a:r>
+          </a:p>
+        </p:txBody>
+      </p:sp>
+    </p:spTree>
+    <p:extLst>
+      <p:ext uri="{BB962C8B-B14F-4D97-AF65-F5344CB8AC3E}">
+        <p14:creationId xmlns:p14="http://schemas.microsoft.com/office/powerpoint/2010/main" val="518517372"/>
+      </p:ext>
+    </p:extLst>
+  </p:cSld>
+  <p:clrMapOvr>
+    <a:masterClrMapping/>
+  </p:clrMapOvr>
+</p:sld>
+</file>
+
+<file path=ppt/slides/slide21.xml><?xml version="1.0" encoding="utf-8"?>
+<p:sld xmlns:a="http://schemas.openxmlformats.org/drawingml/2006/main" xmlns:r="http://schemas.openxmlformats.org/officeDocument/2006/relationships" xmlns:p="http://schemas.openxmlformats.org/presentationml/2006/main">
+  <p:cSld>
+    <p:spTree>
+      <p:nvGrpSpPr>
+        <p:cNvPr id="1" name=""/>
+        <p:cNvGrpSpPr/>
+        <p:nvPr/>
+      </p:nvGrpSpPr>
+      <p:grpSpPr>
+        <a:xfrm>
+          <a:off x="0" y="0"/>
+          <a:ext cx="0" cy="0"/>
+          <a:chOff x="0" y="0"/>
+          <a:chExt cx="0" cy="0"/>
+        </a:xfrm>
+      </p:grpSpPr>
+      <p:sp>
+        <p:nvSpPr>
+          <p:cNvPr id="2" name="Title 1">
+            <a:extLst>
+              <a:ext uri="{FF2B5EF4-FFF2-40B4-BE49-F238E27FC236}">
+                <a16:creationId xmlns:a16="http://schemas.microsoft.com/office/drawing/2014/main" id="{37B63FE6-2DFE-4653-B053-CC072B21557A}"/>
+              </a:ext>
+            </a:extLst>
+          </p:cNvPr>
+          <p:cNvSpPr>
+            <a:spLocks noGrp="1"/>
+          </p:cNvSpPr>
+          <p:nvPr>
+            <p:ph type="title"/>
+          </p:nvPr>
+        </p:nvSpPr>
+        <p:spPr/>
+        <p:txBody>
+          <a:bodyPr anchor="t"/>
+          <a:lstStyle/>
+          <a:p>
+            <a:pPr algn="ctr"/>
+            <a:r>
+              <a:rPr lang="en-US" sz="2000" dirty="0"/>
+              <a:t>Query Analysis: (4) What is the distribution of movies according to 			genre category(bar chart)? [Pandas]</a:t>
+            </a:r>
+            <a:br>
+              <a:rPr lang="en-US" sz="2000" dirty="0"/>
+            </a:br>
+            <a:r>
+              <a:rPr lang="en-US" sz="2000" dirty="0"/>
+              <a:t> </a:t>
+            </a:r>
+          </a:p>
+        </p:txBody>
+      </p:sp>
+      <p:pic>
+        <p:nvPicPr>
+          <p:cNvPr id="7" name="Content Placeholder 6">
+            <a:extLst>
+              <a:ext uri="{FF2B5EF4-FFF2-40B4-BE49-F238E27FC236}">
+                <a16:creationId xmlns:a16="http://schemas.microsoft.com/office/drawing/2014/main" id="{C146E63E-4B1E-4EC0-869F-DCE87CF0B759}"/>
+              </a:ext>
+            </a:extLst>
+          </p:cNvPr>
+          <p:cNvPicPr>
+            <a:picLocks noGrp="1" noChangeAspect="1"/>
+          </p:cNvPicPr>
+          <p:nvPr>
+            <p:ph sz="half" idx="1"/>
+          </p:nvPr>
+        </p:nvPicPr>
+        <p:blipFill>
+          <a:blip r:embed="rId2"/>
+          <a:stretch>
+            <a:fillRect/>
+          </a:stretch>
+        </p:blipFill>
+        <p:spPr>
+          <a:xfrm>
+            <a:off x="1154954" y="3229438"/>
+            <a:ext cx="4829175" cy="2253201"/>
+          </a:xfrm>
+        </p:spPr>
+      </p:pic>
+      <p:pic>
+        <p:nvPicPr>
+          <p:cNvPr id="9" name="Content Placeholder 8">
+            <a:extLst>
+              <a:ext uri="{FF2B5EF4-FFF2-40B4-BE49-F238E27FC236}">
+                <a16:creationId xmlns:a16="http://schemas.microsoft.com/office/drawing/2014/main" id="{2D30017D-CD07-46ED-81DD-6EF13458D352}"/>
+              </a:ext>
+            </a:extLst>
+          </p:cNvPr>
+          <p:cNvPicPr>
+            <a:picLocks noGrp="1" noChangeAspect="1"/>
+          </p:cNvPicPr>
+          <p:nvPr>
+            <p:ph sz="half" idx="2"/>
+          </p:nvPr>
+        </p:nvPicPr>
+        <p:blipFill>
+          <a:blip r:embed="rId3"/>
+          <a:stretch>
+            <a:fillRect/>
+          </a:stretch>
+        </p:blipFill>
+        <p:spPr>
+          <a:xfrm>
+            <a:off x="6556463" y="2603500"/>
+            <a:ext cx="4128911" cy="3378200"/>
+          </a:xfrm>
+        </p:spPr>
+      </p:pic>
+    </p:spTree>
+    <p:extLst>
+      <p:ext uri="{BB962C8B-B14F-4D97-AF65-F5344CB8AC3E}">
+        <p14:creationId xmlns:p14="http://schemas.microsoft.com/office/powerpoint/2010/main" val="1375488421"/>
+      </p:ext>
+    </p:extLst>
+  </p:cSld>
+  <p:clrMapOvr>
+    <a:masterClrMapping/>
+  </p:clrMapOvr>
+</p:sld>
+</file>
+
+<file path=ppt/slides/slide22.xml><?xml version="1.0" encoding="utf-8"?>
+<p:sld xmlns:a="http://schemas.openxmlformats.org/drawingml/2006/main" xmlns:r="http://schemas.openxmlformats.org/officeDocument/2006/relationships" xmlns:p="http://schemas.openxmlformats.org/presentationml/2006/main">
+  <p:cSld>
+    <p:spTree>
+      <p:nvGrpSpPr>
+        <p:cNvPr id="1" name=""/>
+        <p:cNvGrpSpPr/>
+        <p:nvPr/>
+      </p:nvGrpSpPr>
+      <p:grpSpPr>
+        <a:xfrm>
+          <a:off x="0" y="0"/>
+          <a:ext cx="0" cy="0"/>
+          <a:chOff x="0" y="0"/>
+          <a:chExt cx="0" cy="0"/>
+        </a:xfrm>
+      </p:grpSpPr>
+      <p:sp>
+        <p:nvSpPr>
+          <p:cNvPr id="5" name="Title 4">
+            <a:extLst>
+              <a:ext uri="{FF2B5EF4-FFF2-40B4-BE49-F238E27FC236}">
+                <a16:creationId xmlns:a16="http://schemas.microsoft.com/office/drawing/2014/main" id="{570A246C-CBD2-478B-9A13-FA4461513DDA}"/>
+              </a:ext>
+            </a:extLst>
+          </p:cNvPr>
+          <p:cNvSpPr>
+            <a:spLocks noGrp="1"/>
+          </p:cNvSpPr>
+          <p:nvPr>
+            <p:ph type="title"/>
+          </p:nvPr>
+        </p:nvSpPr>
+        <p:spPr/>
+        <p:txBody>
+          <a:bodyPr anchor="t"/>
+          <a:lstStyle/>
+          <a:p>
+            <a:pPr algn="ctr"/>
+            <a:r>
+              <a:rPr lang="en-US" sz="2000" dirty="0"/>
+              <a:t>Query Analysis: (5) What is the proportionality of ratings amongst total movies rated (pie)? [Pandas]</a:t>
+            </a:r>
+          </a:p>
+        </p:txBody>
+      </p:sp>
+      <p:pic>
+        <p:nvPicPr>
+          <p:cNvPr id="15" name="Content Placeholder 14">
+            <a:extLst>
+              <a:ext uri="{FF2B5EF4-FFF2-40B4-BE49-F238E27FC236}">
+                <a16:creationId xmlns:a16="http://schemas.microsoft.com/office/drawing/2014/main" id="{119D600A-AF91-4F70-A5FC-BDF59BA83AB8}"/>
+              </a:ext>
+            </a:extLst>
+          </p:cNvPr>
+          <p:cNvPicPr>
+            <a:picLocks noGrp="1" noChangeAspect="1"/>
+          </p:cNvPicPr>
+          <p:nvPr>
+            <p:ph sz="half" idx="2"/>
+          </p:nvPr>
+        </p:nvPicPr>
+        <p:blipFill>
+          <a:blip r:embed="rId2"/>
+          <a:stretch>
+            <a:fillRect/>
+          </a:stretch>
+        </p:blipFill>
+        <p:spPr>
+          <a:xfrm>
+            <a:off x="6515664" y="2603500"/>
+            <a:ext cx="4210510" cy="3378200"/>
+          </a:xfrm>
+        </p:spPr>
+      </p:pic>
+      <p:pic>
+        <p:nvPicPr>
+          <p:cNvPr id="13" name="Content Placeholder 12">
+            <a:extLst>
+              <a:ext uri="{FF2B5EF4-FFF2-40B4-BE49-F238E27FC236}">
+                <a16:creationId xmlns:a16="http://schemas.microsoft.com/office/drawing/2014/main" id="{10C25F09-2585-4C75-A74E-DF818C78C3B8}"/>
+              </a:ext>
+            </a:extLst>
+          </p:cNvPr>
+          <p:cNvPicPr>
+            <a:picLocks noGrp="1" noChangeAspect="1"/>
+          </p:cNvPicPr>
+          <p:nvPr>
+            <p:ph sz="half" idx="1"/>
+          </p:nvPr>
+        </p:nvPicPr>
+        <p:blipFill>
+          <a:blip r:embed="rId3"/>
+          <a:stretch>
+            <a:fillRect/>
+          </a:stretch>
+        </p:blipFill>
+        <p:spPr>
+          <a:xfrm>
+            <a:off x="1150938" y="3164352"/>
+            <a:ext cx="4829175" cy="2294595"/>
+          </a:xfrm>
+        </p:spPr>
+      </p:pic>
+    </p:spTree>
+    <p:extLst>
+      <p:ext uri="{BB962C8B-B14F-4D97-AF65-F5344CB8AC3E}">
+        <p14:creationId xmlns:p14="http://schemas.microsoft.com/office/powerpoint/2010/main" val="1126966141"/>
+      </p:ext>
+    </p:extLst>
+  </p:cSld>
+  <p:clrMapOvr>
+    <a:masterClrMapping/>
+  </p:clrMapOvr>
+</p:sld>
+</file>
+
+<file path=ppt/slides/slide3.xml><?xml version="1.0" encoding="utf-8"?>
+<p:sld xmlns:a="http://schemas.openxmlformats.org/drawingml/2006/main" xmlns:r="http://schemas.openxmlformats.org/officeDocument/2006/relationships" xmlns:p="http://schemas.openxmlformats.org/presentationml/2006/main">
+  <p:cSld>
+    <p:spTree>
+      <p:nvGrpSpPr>
+        <p:cNvPr id="1" name=""/>
+        <p:cNvGrpSpPr/>
+        <p:nvPr/>
+      </p:nvGrpSpPr>
+      <p:grpSpPr>
+        <a:xfrm>
+          <a:off x="0" y="0"/>
+          <a:ext cx="0" cy="0"/>
+          <a:chOff x="0" y="0"/>
+          <a:chExt cx="0" cy="0"/>
+        </a:xfrm>
+      </p:grpSpPr>
+      <p:sp>
+        <p:nvSpPr>
+          <p:cNvPr id="2" name="Title 1">
+            <a:extLst>
+              <a:ext uri="{FF2B5EF4-FFF2-40B4-BE49-F238E27FC236}">
+                <a16:creationId xmlns:a16="http://schemas.microsoft.com/office/drawing/2014/main" id="{0294DDD2-1867-4339-8568-87DF40174FD5}"/>
+              </a:ext>
+            </a:extLst>
+          </p:cNvPr>
+          <p:cNvSpPr>
+            <a:spLocks noGrp="1"/>
+          </p:cNvSpPr>
+          <p:nvPr>
+            <p:ph type="title"/>
+          </p:nvPr>
+        </p:nvSpPr>
+        <p:spPr/>
+        <p:txBody>
+          <a:bodyPr/>
+          <a:lstStyle/>
+          <a:p>
+            <a:pPr algn="ctr"/>
+            <a:r>
+              <a:rPr lang="en-US" dirty="0"/>
+              <a:t>Relevant Queries </a:t>
+            </a:r>
+          </a:p>
+        </p:txBody>
+      </p:sp>
+      <p:sp>
+        <p:nvSpPr>
+          <p:cNvPr id="3" name="Content Placeholder 2">
+            <a:extLst>
+              <a:ext uri="{FF2B5EF4-FFF2-40B4-BE49-F238E27FC236}">
+                <a16:creationId xmlns:a16="http://schemas.microsoft.com/office/drawing/2014/main" id="{A8770FCE-B837-4B34-986B-DA51D8D6487F}"/>
+              </a:ext>
+            </a:extLst>
+          </p:cNvPr>
+          <p:cNvSpPr>
+            <a:spLocks noGrp="1"/>
+          </p:cNvSpPr>
+          <p:nvPr>
+            <p:ph idx="1"/>
+          </p:nvPr>
+        </p:nvSpPr>
+        <p:spPr>
+          <a:xfrm>
+            <a:off x="1154953" y="2659483"/>
+            <a:ext cx="8761413" cy="3416300"/>
+          </a:xfrm>
+        </p:spPr>
+        <p:txBody>
+          <a:bodyPr/>
+          <a:lstStyle/>
+          <a:p>
+            <a:pPr rtl="0">
+              <a:spcBef>
+                <a:spcPts val="0"/>
+              </a:spcBef>
+              <a:spcAft>
+                <a:spcPts val="0"/>
+              </a:spcAft>
+            </a:pPr>
+            <a:r>
+              <a:rPr lang="en-US" sz="1800" b="0" i="0" u="none" strike="noStrike" dirty="0">
+                <a:solidFill>
+                  <a:srgbClr val="000000"/>
+                </a:solidFill>
+                <a:effectLst/>
+                <a:latin typeface="+mj-lt"/>
+              </a:rPr>
+              <a:t>Movies database querying:</a:t>
+            </a:r>
+            <a:br>
+              <a:rPr lang="en-US" b="0" dirty="0">
+                <a:effectLst/>
+                <a:latin typeface="+mj-lt"/>
+              </a:rPr>
+            </a:br>
+            <a:endParaRPr lang="en-US" b="0" dirty="0">
+              <a:effectLst/>
+              <a:latin typeface="+mj-lt"/>
+            </a:endParaRPr>
+          </a:p>
+          <a:p>
+            <a:pPr rtl="0">
+              <a:spcBef>
+                <a:spcPts val="0"/>
+              </a:spcBef>
+              <a:spcAft>
+                <a:spcPts val="0"/>
+              </a:spcAft>
+              <a:buFont typeface="+mj-lt"/>
+              <a:buAutoNum type="arabicPeriod"/>
+            </a:pPr>
+            <a:r>
+              <a:rPr lang="en-US" sz="1700" b="0" i="0" u="none" strike="noStrike" dirty="0">
+                <a:solidFill>
+                  <a:srgbClr val="000000"/>
+                </a:solidFill>
+                <a:effectLst/>
+                <a:latin typeface="+mj-lt"/>
+              </a:rPr>
+              <a:t>How many movies were released in a specified timeframe (e.g.2005)? [PostgreSQL]</a:t>
+            </a:r>
+          </a:p>
+          <a:p>
+            <a:pPr rtl="0" fontAlgn="base">
+              <a:spcBef>
+                <a:spcPts val="0"/>
+              </a:spcBef>
+              <a:spcAft>
+                <a:spcPts val="0"/>
+              </a:spcAft>
+              <a:buFont typeface="+mj-lt"/>
+              <a:buAutoNum type="arabicPeriod"/>
+            </a:pPr>
+            <a:r>
+              <a:rPr lang="en-US" sz="1700" b="0" i="0" u="none" strike="noStrike" dirty="0">
+                <a:solidFill>
+                  <a:srgbClr val="000000"/>
+                </a:solidFill>
+                <a:effectLst/>
+                <a:latin typeface="+mj-lt"/>
+              </a:rPr>
+              <a:t>Being able to get results by querying specified criteria (genre)? [</a:t>
+            </a:r>
+            <a:r>
+              <a:rPr lang="en-US" sz="1700" dirty="0">
+                <a:solidFill>
+                  <a:srgbClr val="000000"/>
+                </a:solidFill>
+                <a:latin typeface="+mj-lt"/>
+              </a:rPr>
+              <a:t>PostgreSQL</a:t>
+            </a:r>
+            <a:r>
+              <a:rPr lang="en-US" sz="1700" b="0" i="0" u="none" strike="noStrike" dirty="0">
+                <a:solidFill>
+                  <a:srgbClr val="000000"/>
+                </a:solidFill>
+                <a:effectLst/>
+                <a:latin typeface="+mj-lt"/>
+              </a:rPr>
+              <a:t>]</a:t>
+            </a:r>
+          </a:p>
+          <a:p>
+            <a:pPr rtl="0" fontAlgn="base">
+              <a:spcBef>
+                <a:spcPts val="0"/>
+              </a:spcBef>
+              <a:spcAft>
+                <a:spcPts val="0"/>
+              </a:spcAft>
+              <a:buFont typeface="+mj-lt"/>
+              <a:buAutoNum type="arabicPeriod"/>
+            </a:pPr>
+            <a:r>
+              <a:rPr lang="en-US" sz="1700" b="0" i="0" u="none" strike="noStrike" dirty="0">
+                <a:solidFill>
+                  <a:srgbClr val="000000"/>
+                </a:solidFill>
+                <a:effectLst/>
+                <a:latin typeface="+mj-lt"/>
+              </a:rPr>
+              <a:t>Being able to get results of specified criteria (movie title) [PostgreSQL]</a:t>
+            </a:r>
+          </a:p>
+          <a:p>
+            <a:pPr rtl="0" fontAlgn="base">
+              <a:spcBef>
+                <a:spcPts val="0"/>
+              </a:spcBef>
+              <a:spcAft>
+                <a:spcPts val="0"/>
+              </a:spcAft>
+              <a:buFont typeface="+mj-lt"/>
+              <a:buAutoNum type="arabicPeriod"/>
+            </a:pPr>
+            <a:r>
+              <a:rPr lang="en-US" sz="1700" b="0" i="0" u="none" strike="noStrike" dirty="0">
+                <a:solidFill>
+                  <a:srgbClr val="000000"/>
+                </a:solidFill>
+                <a:effectLst/>
+                <a:latin typeface="+mj-lt"/>
+              </a:rPr>
+              <a:t>What is the distribution of movies according to genre category(bar chart)? [Pandas]</a:t>
+            </a:r>
+          </a:p>
+          <a:p>
+            <a:pPr rtl="0" fontAlgn="base">
+              <a:spcBef>
+                <a:spcPts val="0"/>
+              </a:spcBef>
+              <a:spcAft>
+                <a:spcPts val="0"/>
+              </a:spcAft>
+              <a:buFont typeface="+mj-lt"/>
+              <a:buAutoNum type="arabicPeriod"/>
+            </a:pPr>
+            <a:r>
+              <a:rPr lang="en-US" sz="1700" b="0" i="0" u="none" strike="noStrike" dirty="0">
+                <a:solidFill>
+                  <a:srgbClr val="000000"/>
+                </a:solidFill>
+                <a:effectLst/>
+                <a:latin typeface="+mj-lt"/>
+              </a:rPr>
+              <a:t>What is the </a:t>
+            </a:r>
+            <a:r>
+              <a:rPr lang="en-US" sz="1700" dirty="0">
+                <a:solidFill>
+                  <a:srgbClr val="000000"/>
+                </a:solidFill>
+                <a:latin typeface="+mj-lt"/>
+              </a:rPr>
+              <a:t>proportionality</a:t>
+            </a:r>
+            <a:r>
+              <a:rPr lang="en-US" sz="1700" b="0" i="0" u="none" strike="noStrike" dirty="0">
+                <a:solidFill>
+                  <a:srgbClr val="000000"/>
+                </a:solidFill>
+                <a:effectLst/>
+                <a:latin typeface="+mj-lt"/>
+              </a:rPr>
+              <a:t> of </a:t>
+            </a:r>
+            <a:r>
+              <a:rPr lang="en-US" sz="1700" dirty="0">
+                <a:solidFill>
+                  <a:srgbClr val="000000"/>
+                </a:solidFill>
+                <a:latin typeface="+mj-lt"/>
+              </a:rPr>
+              <a:t>ratings amongst total movies rated </a:t>
+            </a:r>
+            <a:r>
+              <a:rPr lang="en-US" sz="1700" b="0" i="0" u="none" strike="noStrike" dirty="0">
+                <a:solidFill>
+                  <a:srgbClr val="000000"/>
+                </a:solidFill>
+                <a:effectLst/>
+                <a:latin typeface="+mj-lt"/>
+              </a:rPr>
+              <a:t>(pie)? [Pandas]</a:t>
+            </a:r>
+          </a:p>
+          <a:p>
+            <a:pPr marL="0" indent="0">
+              <a:buNone/>
+            </a:pPr>
+            <a:endParaRPr lang="en-US" dirty="0"/>
+          </a:p>
+        </p:txBody>
+      </p:sp>
+    </p:spTree>
+    <p:extLst>
+      <p:ext uri="{BB962C8B-B14F-4D97-AF65-F5344CB8AC3E}">
+        <p14:creationId xmlns:p14="http://schemas.microsoft.com/office/powerpoint/2010/main" val="472736547"/>
+      </p:ext>
+    </p:extLst>
+  </p:cSld>
+  <p:clrMapOvr>
+    <a:masterClrMapping/>
+  </p:clrMapOvr>
+</p:sld>
+</file>
+
+<file path=ppt/slides/slide4.xml><?xml version="1.0" encoding="utf-8"?>
+<p:sld xmlns:a="http://schemas.openxmlformats.org/drawingml/2006/main" xmlns:r="http://schemas.openxmlformats.org/officeDocument/2006/relationships" xmlns:p="http://schemas.openxmlformats.org/presentationml/2006/main">
+  <p:cSld>
+    <p:spTree>
+      <p:nvGrpSpPr>
+        <p:cNvPr id="1" name=""/>
+        <p:cNvGrpSpPr/>
+        <p:nvPr/>
+      </p:nvGrpSpPr>
+      <p:grpSpPr>
+        <a:xfrm>
+          <a:off x="0" y="0"/>
+          <a:ext cx="0" cy="0"/>
+          <a:chOff x="0" y="0"/>
+          <a:chExt cx="0" cy="0"/>
+        </a:xfrm>
+      </p:grpSpPr>
+      <p:sp>
+        <p:nvSpPr>
+          <p:cNvPr id="2" name="Title 1">
+            <a:extLst>
+              <a:ext uri="{FF2B5EF4-FFF2-40B4-BE49-F238E27FC236}">
+                <a16:creationId xmlns:a16="http://schemas.microsoft.com/office/drawing/2014/main" id="{3A992708-4E14-4792-ACAE-5E4F41C491E7}"/>
+              </a:ext>
+            </a:extLst>
+          </p:cNvPr>
+          <p:cNvSpPr>
+            <a:spLocks noGrp="1"/>
+          </p:cNvSpPr>
+          <p:nvPr>
+            <p:ph type="title"/>
+          </p:nvPr>
+        </p:nvSpPr>
+        <p:spPr/>
+        <p:txBody>
+          <a:bodyPr/>
+          <a:lstStyle/>
+          <a:p>
+            <a:pPr algn="ctr"/>
+            <a:r>
+              <a:rPr lang="en-US" dirty="0"/>
+              <a:t>Dependencies in Pandas</a:t>
+            </a:r>
+          </a:p>
+        </p:txBody>
+      </p:sp>
+      <p:pic>
+        <p:nvPicPr>
+          <p:cNvPr id="5" name="Content Placeholder 4">
+            <a:extLst>
+              <a:ext uri="{FF2B5EF4-FFF2-40B4-BE49-F238E27FC236}">
+                <a16:creationId xmlns:a16="http://schemas.microsoft.com/office/drawing/2014/main" id="{E6CEE540-78FD-4996-9514-8B7913E7E99D}"/>
+              </a:ext>
+            </a:extLst>
+          </p:cNvPr>
+          <p:cNvPicPr>
+            <a:picLocks noGrp="1" noChangeAspect="1"/>
+          </p:cNvPicPr>
+          <p:nvPr>
+            <p:ph idx="1"/>
+          </p:nvPr>
+        </p:nvPicPr>
+        <p:blipFill>
+          <a:blip r:embed="rId2"/>
+          <a:stretch>
+            <a:fillRect/>
+          </a:stretch>
+        </p:blipFill>
+        <p:spPr>
+          <a:xfrm>
+            <a:off x="1314320" y="2744596"/>
+            <a:ext cx="8761413" cy="1156019"/>
+          </a:xfrm>
+        </p:spPr>
+      </p:pic>
+    </p:spTree>
+    <p:extLst>
+      <p:ext uri="{BB962C8B-B14F-4D97-AF65-F5344CB8AC3E}">
+        <p14:creationId xmlns:p14="http://schemas.microsoft.com/office/powerpoint/2010/main" val="2909282697"/>
+      </p:ext>
+    </p:extLst>
+  </p:cSld>
+  <p:clrMapOvr>
+    <a:masterClrMapping/>
+  </p:clrMapOvr>
+</p:sld>
+</file>
+
+<file path=ppt/slides/slide5.xml><?xml version="1.0" encoding="utf-8"?>
+<p:sld xmlns:a="http://schemas.openxmlformats.org/drawingml/2006/main" xmlns:r="http://schemas.openxmlformats.org/officeDocument/2006/relationships" xmlns:p="http://schemas.openxmlformats.org/presentationml/2006/main">
+  <p:cSld>
+    <p:spTree>
+      <p:nvGrpSpPr>
+        <p:cNvPr id="1" name=""/>
+        <p:cNvGrpSpPr/>
+        <p:nvPr/>
+      </p:nvGrpSpPr>
+      <p:grpSpPr>
+        <a:xfrm>
+          <a:off x="0" y="0"/>
+          <a:ext cx="0" cy="0"/>
+          <a:chOff x="0" y="0"/>
+          <a:chExt cx="0" cy="0"/>
+        </a:xfrm>
+      </p:grpSpPr>
+      <p:sp>
+        <p:nvSpPr>
+          <p:cNvPr id="2" name="Title 1">
+            <a:extLst>
+              <a:ext uri="{FF2B5EF4-FFF2-40B4-BE49-F238E27FC236}">
+                <a16:creationId xmlns:a16="http://schemas.microsoft.com/office/drawing/2014/main" id="{1C202FD0-1A23-468F-A78A-ED05C7D161CB}"/>
+              </a:ext>
+            </a:extLst>
+          </p:cNvPr>
+          <p:cNvSpPr>
+            <a:spLocks noGrp="1"/>
+          </p:cNvSpPr>
+          <p:nvPr>
+            <p:ph type="title"/>
+          </p:nvPr>
+        </p:nvSpPr>
+        <p:spPr/>
+        <p:txBody>
+          <a:bodyPr/>
+          <a:lstStyle/>
+          <a:p>
+            <a:pPr algn="ctr"/>
+            <a:r>
+              <a:rPr lang="en-US" sz="2400" dirty="0"/>
+              <a:t>Import csv files into </a:t>
+            </a:r>
+            <a:r>
+              <a:rPr lang="en-US" sz="2400" dirty="0" err="1"/>
+              <a:t>DataFrame</a:t>
+            </a:r>
+            <a:r>
+              <a:rPr lang="en-US" sz="2400" dirty="0"/>
+              <a:t>: movies csv &amp; tags csv</a:t>
+            </a:r>
+          </a:p>
+        </p:txBody>
+      </p:sp>
+      <p:pic>
+        <p:nvPicPr>
+          <p:cNvPr id="14" name="Content Placeholder 13">
+            <a:extLst>
+              <a:ext uri="{FF2B5EF4-FFF2-40B4-BE49-F238E27FC236}">
+                <a16:creationId xmlns:a16="http://schemas.microsoft.com/office/drawing/2014/main" id="{37C5C3C4-3122-40C0-B520-932CEA8ACDB7}"/>
+              </a:ext>
+            </a:extLst>
+          </p:cNvPr>
+          <p:cNvPicPr>
+            <a:picLocks noGrp="1" noChangeAspect="1"/>
+          </p:cNvPicPr>
+          <p:nvPr>
+            <p:ph sz="half" idx="2"/>
+          </p:nvPr>
+        </p:nvPicPr>
+        <p:blipFill>
+          <a:blip r:embed="rId2"/>
+          <a:stretch>
+            <a:fillRect/>
+          </a:stretch>
+        </p:blipFill>
+        <p:spPr>
+          <a:xfrm>
+            <a:off x="6208713" y="3247193"/>
+            <a:ext cx="4824412" cy="2090814"/>
+          </a:xfrm>
+        </p:spPr>
+      </p:pic>
+      <p:pic>
+        <p:nvPicPr>
+          <p:cNvPr id="12" name="Content Placeholder 11">
+            <a:extLst>
+              <a:ext uri="{FF2B5EF4-FFF2-40B4-BE49-F238E27FC236}">
+                <a16:creationId xmlns:a16="http://schemas.microsoft.com/office/drawing/2014/main" id="{C56D4EC3-09EB-4AD9-AFA6-CBE2B3CF8BE2}"/>
+              </a:ext>
+            </a:extLst>
+          </p:cNvPr>
+          <p:cNvPicPr>
+            <a:picLocks noGrp="1" noChangeAspect="1"/>
+          </p:cNvPicPr>
+          <p:nvPr>
+            <p:ph sz="half" idx="1"/>
+          </p:nvPr>
+        </p:nvPicPr>
+        <p:blipFill>
+          <a:blip r:embed="rId3"/>
+          <a:stretch>
+            <a:fillRect/>
+          </a:stretch>
+        </p:blipFill>
+        <p:spPr>
+          <a:xfrm>
+            <a:off x="1154113" y="3347111"/>
+            <a:ext cx="4829175" cy="1890977"/>
+          </a:xfrm>
+        </p:spPr>
+      </p:pic>
+    </p:spTree>
+    <p:extLst>
+      <p:ext uri="{BB962C8B-B14F-4D97-AF65-F5344CB8AC3E}">
+        <p14:creationId xmlns:p14="http://schemas.microsoft.com/office/powerpoint/2010/main" val="90244017"/>
+      </p:ext>
+    </p:extLst>
+  </p:cSld>
+  <p:clrMapOvr>
+    <a:masterClrMapping/>
+  </p:clrMapOvr>
+</p:sld>
+</file>
+
+<file path=ppt/slides/slide6.xml><?xml version="1.0" encoding="utf-8"?>
+<p:sld xmlns:a="http://schemas.openxmlformats.org/drawingml/2006/main" xmlns:r="http://schemas.openxmlformats.org/officeDocument/2006/relationships" xmlns:p="http://schemas.openxmlformats.org/presentationml/2006/main">
+  <p:cSld>
+    <p:spTree>
+      <p:nvGrpSpPr>
+        <p:cNvPr id="1" name=""/>
+        <p:cNvGrpSpPr/>
+        <p:nvPr/>
+      </p:nvGrpSpPr>
+      <p:grpSpPr>
+        <a:xfrm>
+          <a:off x="0" y="0"/>
+          <a:ext cx="0" cy="0"/>
+          <a:chOff x="0" y="0"/>
+          <a:chExt cx="0" cy="0"/>
+        </a:xfrm>
+      </p:grpSpPr>
+      <p:sp>
+        <p:nvSpPr>
+          <p:cNvPr id="2" name="Title 1">
+            <a:extLst>
+              <a:ext uri="{FF2B5EF4-FFF2-40B4-BE49-F238E27FC236}">
+                <a16:creationId xmlns:a16="http://schemas.microsoft.com/office/drawing/2014/main" id="{7AF2BE0C-5ADE-45D5-9C3A-313BCD3B1CB9}"/>
+              </a:ext>
+            </a:extLst>
+          </p:cNvPr>
+          <p:cNvSpPr>
+            <a:spLocks noGrp="1"/>
+          </p:cNvSpPr>
+          <p:nvPr>
+            <p:ph type="title"/>
+          </p:nvPr>
+        </p:nvSpPr>
+        <p:spPr/>
+        <p:txBody>
+          <a:bodyPr/>
+          <a:lstStyle/>
+          <a:p>
+            <a:pPr algn="ctr"/>
+            <a:r>
+              <a:rPr lang="en-US" sz="2400" dirty="0"/>
+              <a:t>Import csv files into </a:t>
+            </a:r>
+            <a:r>
+              <a:rPr lang="en-US" sz="2400" dirty="0" err="1"/>
+              <a:t>DataFrame</a:t>
+            </a:r>
+            <a:r>
+              <a:rPr lang="en-US" sz="2400" dirty="0"/>
+              <a:t>: ratings csv &amp; links csv</a:t>
+            </a:r>
+          </a:p>
+        </p:txBody>
+      </p:sp>
+      <p:pic>
+        <p:nvPicPr>
+          <p:cNvPr id="6" name="Content Placeholder 5">
+            <a:extLst>
+              <a:ext uri="{FF2B5EF4-FFF2-40B4-BE49-F238E27FC236}">
+                <a16:creationId xmlns:a16="http://schemas.microsoft.com/office/drawing/2014/main" id="{550AD85D-57E0-4A79-A261-84A282B26C76}"/>
+              </a:ext>
+            </a:extLst>
+          </p:cNvPr>
+          <p:cNvPicPr>
+            <a:picLocks noGrp="1" noChangeAspect="1"/>
+          </p:cNvPicPr>
+          <p:nvPr>
+            <p:ph sz="half" idx="1"/>
+          </p:nvPr>
+        </p:nvPicPr>
+        <p:blipFill>
+          <a:blip r:embed="rId2"/>
+          <a:stretch>
+            <a:fillRect/>
+          </a:stretch>
+        </p:blipFill>
+        <p:spPr>
+          <a:xfrm>
+            <a:off x="1150938" y="3318164"/>
+            <a:ext cx="4829175" cy="1986971"/>
+          </a:xfrm>
+        </p:spPr>
+      </p:pic>
+      <p:pic>
+        <p:nvPicPr>
+          <p:cNvPr id="8" name="Content Placeholder 7">
+            <a:extLst>
+              <a:ext uri="{FF2B5EF4-FFF2-40B4-BE49-F238E27FC236}">
+                <a16:creationId xmlns:a16="http://schemas.microsoft.com/office/drawing/2014/main" id="{E2AFEC9D-930B-4120-A0C3-A4CDAA7084FB}"/>
+              </a:ext>
+            </a:extLst>
+          </p:cNvPr>
+          <p:cNvPicPr>
+            <a:picLocks noGrp="1" noChangeAspect="1"/>
+          </p:cNvPicPr>
+          <p:nvPr>
+            <p:ph sz="half" idx="2"/>
+          </p:nvPr>
+        </p:nvPicPr>
+        <p:blipFill>
+          <a:blip r:embed="rId3"/>
+          <a:stretch>
+            <a:fillRect/>
+          </a:stretch>
+        </p:blipFill>
+        <p:spPr>
+          <a:xfrm>
+            <a:off x="6208713" y="3425390"/>
+            <a:ext cx="4824412" cy="1734420"/>
+          </a:xfrm>
+        </p:spPr>
+      </p:pic>
+    </p:spTree>
+    <p:extLst>
+      <p:ext uri="{BB962C8B-B14F-4D97-AF65-F5344CB8AC3E}">
+        <p14:creationId xmlns:p14="http://schemas.microsoft.com/office/powerpoint/2010/main" val="3269745053"/>
+      </p:ext>
+    </p:extLst>
+  </p:cSld>
+  <p:clrMapOvr>
+    <a:masterClrMapping/>
+  </p:clrMapOvr>
+</p:sld>
+</file>
+
+<file path=ppt/slides/slide7.xml><?xml version="1.0" encoding="utf-8"?>
+<p:sld xmlns:a="http://schemas.openxmlformats.org/drawingml/2006/main" xmlns:r="http://schemas.openxmlformats.org/officeDocument/2006/relationships" xmlns:p="http://schemas.openxmlformats.org/presentationml/2006/main">
+  <p:cSld>
+    <p:spTree>
+      <p:nvGrpSpPr>
+        <p:cNvPr id="1" name=""/>
+        <p:cNvGrpSpPr/>
+        <p:nvPr/>
+      </p:nvGrpSpPr>
+      <p:grpSpPr>
+        <a:xfrm>
+          <a:off x="0" y="0"/>
+          <a:ext cx="0" cy="0"/>
+          <a:chOff x="0" y="0"/>
+          <a:chExt cx="0" cy="0"/>
+        </a:xfrm>
+      </p:grpSpPr>
+      <p:sp>
+        <p:nvSpPr>
+          <p:cNvPr id="2" name="Title 1">
+            <a:extLst>
+              <a:ext uri="{FF2B5EF4-FFF2-40B4-BE49-F238E27FC236}">
+                <a16:creationId xmlns:a16="http://schemas.microsoft.com/office/drawing/2014/main" id="{8EB228D3-FDBA-40BA-9E26-0695AD605113}"/>
+              </a:ext>
+            </a:extLst>
+          </p:cNvPr>
+          <p:cNvSpPr>
+            <a:spLocks noGrp="1"/>
+          </p:cNvSpPr>
+          <p:nvPr>
+            <p:ph type="title"/>
+          </p:nvPr>
+        </p:nvSpPr>
+        <p:spPr/>
+        <p:txBody>
+          <a:bodyPr/>
+          <a:lstStyle/>
+          <a:p>
+            <a:pPr algn="ctr"/>
+            <a:r>
+              <a:rPr lang="en-US" sz="3200" dirty="0"/>
+              <a:t>Clean </a:t>
+            </a:r>
+            <a:r>
+              <a:rPr lang="en-US" sz="3200" dirty="0" err="1"/>
+              <a:t>DataFrame</a:t>
+            </a:r>
+            <a:r>
+              <a:rPr lang="en-US" sz="3200" dirty="0"/>
+              <a:t> for null &amp; empty columns</a:t>
+            </a:r>
+          </a:p>
+        </p:txBody>
+      </p:sp>
+      <p:pic>
+        <p:nvPicPr>
+          <p:cNvPr id="7" name="Content Placeholder 6">
+            <a:extLst>
+              <a:ext uri="{FF2B5EF4-FFF2-40B4-BE49-F238E27FC236}">
+                <a16:creationId xmlns:a16="http://schemas.microsoft.com/office/drawing/2014/main" id="{1095F9F7-DB35-4E41-A3C6-6F947A2AFBB2}"/>
+              </a:ext>
+            </a:extLst>
+          </p:cNvPr>
+          <p:cNvPicPr>
+            <a:picLocks noGrp="1" noChangeAspect="1"/>
+          </p:cNvPicPr>
+          <p:nvPr>
+            <p:ph idx="1"/>
+          </p:nvPr>
+        </p:nvPicPr>
+        <p:blipFill>
+          <a:blip r:embed="rId2"/>
+          <a:stretch>
+            <a:fillRect/>
+          </a:stretch>
+        </p:blipFill>
+        <p:spPr>
+          <a:xfrm>
+            <a:off x="2295002" y="2603500"/>
+            <a:ext cx="6482808" cy="3416300"/>
+          </a:xfrm>
+        </p:spPr>
+      </p:pic>
+    </p:spTree>
+    <p:extLst>
+      <p:ext uri="{BB962C8B-B14F-4D97-AF65-F5344CB8AC3E}">
+        <p14:creationId xmlns:p14="http://schemas.microsoft.com/office/powerpoint/2010/main" val="2017706533"/>
+      </p:ext>
+    </p:extLst>
+  </p:cSld>
+  <p:clrMapOvr>
+    <a:masterClrMapping/>
+  </p:clrMapOvr>
+</p:sld>
+</file>
+
+<file path=ppt/slides/slide8.xml><?xml version="1.0" encoding="utf-8"?>
+<p:sld xmlns:a="http://schemas.openxmlformats.org/drawingml/2006/main" xmlns:r="http://schemas.openxmlformats.org/officeDocument/2006/relationships" xmlns:p="http://schemas.openxmlformats.org/presentationml/2006/main">
+  <p:cSld>
+    <p:spTree>
+      <p:nvGrpSpPr>
+        <p:cNvPr id="1" name=""/>
+        <p:cNvGrpSpPr/>
+        <p:nvPr/>
+      </p:nvGrpSpPr>
+      <p:grpSpPr>
+        <a:xfrm>
+          <a:off x="0" y="0"/>
+          <a:ext cx="0" cy="0"/>
+          <a:chOff x="0" y="0"/>
+          <a:chExt cx="0" cy="0"/>
+        </a:xfrm>
+      </p:grpSpPr>
+      <p:sp>
+        <p:nvSpPr>
+          <p:cNvPr id="2" name="Title 1">
+            <a:extLst>
+              <a:ext uri="{FF2B5EF4-FFF2-40B4-BE49-F238E27FC236}">
+                <a16:creationId xmlns:a16="http://schemas.microsoft.com/office/drawing/2014/main" id="{F6725B28-A283-4CA8-A044-F4446EC91FD2}"/>
+              </a:ext>
+            </a:extLst>
+          </p:cNvPr>
+          <p:cNvSpPr>
+            <a:spLocks noGrp="1"/>
+          </p:cNvSpPr>
+          <p:nvPr>
+            <p:ph type="title"/>
+          </p:nvPr>
+        </p:nvSpPr>
+        <p:spPr/>
+        <p:txBody>
+          <a:bodyPr/>
+          <a:lstStyle/>
+          <a:p>
+            <a:pPr algn="ctr"/>
+            <a:r>
+              <a:rPr lang="en-US" dirty="0"/>
+              <a:t>Create a new </a:t>
+            </a:r>
+            <a:r>
+              <a:rPr lang="en-US" dirty="0" err="1"/>
+              <a:t>DataFrame</a:t>
+            </a:r>
+            <a:r>
+              <a:rPr lang="en-US" dirty="0"/>
+              <a:t> for genre</a:t>
+            </a:r>
+          </a:p>
+        </p:txBody>
+      </p:sp>
+      <p:pic>
+        <p:nvPicPr>
+          <p:cNvPr id="19" name="Content Placeholder 18">
+            <a:extLst>
+              <a:ext uri="{FF2B5EF4-FFF2-40B4-BE49-F238E27FC236}">
+                <a16:creationId xmlns:a16="http://schemas.microsoft.com/office/drawing/2014/main" id="{A161429D-1FF2-4923-9F9C-A8CE529A7906}"/>
+              </a:ext>
+            </a:extLst>
+          </p:cNvPr>
+          <p:cNvPicPr>
+            <a:picLocks noGrp="1" noChangeAspect="1"/>
+          </p:cNvPicPr>
+          <p:nvPr>
+            <p:ph sz="half" idx="2"/>
+          </p:nvPr>
+        </p:nvPicPr>
+        <p:blipFill>
+          <a:blip r:embed="rId2"/>
+          <a:stretch>
+            <a:fillRect/>
+          </a:stretch>
+        </p:blipFill>
+        <p:spPr>
+          <a:xfrm>
+            <a:off x="6945591" y="2603500"/>
+            <a:ext cx="4124763" cy="3378200"/>
+          </a:xfrm>
+        </p:spPr>
+      </p:pic>
+      <p:pic>
+        <p:nvPicPr>
+          <p:cNvPr id="17" name="Content Placeholder 16">
+            <a:extLst>
+              <a:ext uri="{FF2B5EF4-FFF2-40B4-BE49-F238E27FC236}">
+                <a16:creationId xmlns:a16="http://schemas.microsoft.com/office/drawing/2014/main" id="{C75144EE-85D8-4540-BCDD-0759CCD2315D}"/>
+              </a:ext>
+            </a:extLst>
+          </p:cNvPr>
+          <p:cNvPicPr>
+            <a:picLocks noGrp="1" noChangeAspect="1"/>
+          </p:cNvPicPr>
+          <p:nvPr>
+            <p:ph sz="half" idx="1"/>
+          </p:nvPr>
+        </p:nvPicPr>
+        <p:blipFill>
+          <a:blip r:embed="rId3"/>
+          <a:stretch>
+            <a:fillRect/>
+          </a:stretch>
+        </p:blipFill>
+        <p:spPr>
+          <a:xfrm>
+            <a:off x="637429" y="2733870"/>
+            <a:ext cx="5267279" cy="2878078"/>
+          </a:xfrm>
+        </p:spPr>
+      </p:pic>
+      <p:sp>
+        <p:nvSpPr>
+          <p:cNvPr id="20" name="Arrow: Right 19">
+            <a:extLst>
+              <a:ext uri="{FF2B5EF4-FFF2-40B4-BE49-F238E27FC236}">
+                <a16:creationId xmlns:a16="http://schemas.microsoft.com/office/drawing/2014/main" id="{BC89087F-45BC-4FA4-8281-02C9A18D7950}"/>
+              </a:ext>
+            </a:extLst>
+          </p:cNvPr>
+          <p:cNvSpPr/>
+          <p:nvPr/>
+        </p:nvSpPr>
+        <p:spPr>
+          <a:xfrm>
+            <a:off x="6287294" y="4033349"/>
+            <a:ext cx="510073" cy="324048"/>
+          </a:xfrm>
+          <a:prstGeom prst="rightArrow">
+            <a:avLst/>
+          </a:prstGeom>
+          <a:solidFill>
+            <a:schemeClr val="tx1"/>
+          </a:solidFill>
+          <a:ln>
+            <a:solidFill>
+              <a:schemeClr val="bg1"/>
+            </a:solidFill>
+          </a:ln>
+        </p:spPr>
+        <p:style>
+          <a:lnRef idx="2">
+            <a:schemeClr val="accent1">
+              <a:shade val="50000"/>
+            </a:schemeClr>
+          </a:lnRef>
+          <a:fillRef idx="1">
+            <a:schemeClr val="accent1"/>
+          </a:fillRef>
+          <a:effectRef idx="0">
+            <a:schemeClr val="accent1"/>
+          </a:effectRef>
+          <a:fontRef idx="minor">
+            <a:schemeClr val="lt1"/>
+          </a:fontRef>
+        </p:style>
+        <p:txBody>
+          <a:bodyPr rtlCol="0" anchor="ctr"/>
+          <a:lstStyle/>
+          <a:p>
+            <a:pPr algn="ctr"/>
+            <a:endParaRPr lang="en-US"/>
+          </a:p>
+        </p:txBody>
+      </p:sp>
+    </p:spTree>
+    <p:extLst>
+      <p:ext uri="{BB962C8B-B14F-4D97-AF65-F5344CB8AC3E}">
+        <p14:creationId xmlns:p14="http://schemas.microsoft.com/office/powerpoint/2010/main" val="3137841531"/>
+      </p:ext>
+    </p:extLst>
+  </p:cSld>
+  <p:clrMapOvr>
+    <a:masterClrMapping/>
+  </p:clrMapOvr>
+</p:sld>
+</file>
+
+<file path=ppt/slides/slide9.xml><?xml version="1.0" encoding="utf-8"?>
+<p:sld xmlns:a="http://schemas.openxmlformats.org/drawingml/2006/main" xmlns:r="http://schemas.openxmlformats.org/officeDocument/2006/relationships" xmlns:p="http://schemas.openxmlformats.org/presentationml/2006/main">
+  <p:cSld>
+    <p:spTree>
+      <p:nvGrpSpPr>
+        <p:cNvPr id="1" name=""/>
+        <p:cNvGrpSpPr/>
+        <p:nvPr/>
+      </p:nvGrpSpPr>
+      <p:grpSpPr>
+        <a:xfrm>
+          <a:off x="0" y="0"/>
+          <a:ext cx="0" cy="0"/>
+          <a:chOff x="0" y="0"/>
+          <a:chExt cx="0" cy="0"/>
+        </a:xfrm>
+      </p:grpSpPr>
+      <p:sp>
+        <p:nvSpPr>
           <p:cNvPr id="2" name="Title 1">
             <a:extLst>
               <a:ext uri="{FF2B5EF4-FFF2-40B4-BE49-F238E27FC236}">
@@ -14385,1766 +17129,6 @@
     <p:extLst>
       <p:ext uri="{BB962C8B-B14F-4D97-AF65-F5344CB8AC3E}">
         <p14:creationId xmlns:p14="http://schemas.microsoft.com/office/powerpoint/2010/main" val="3544677597"/>
-      </p:ext>
-    </p:extLst>
-  </p:cSld>
-  <p:clrMapOvr>
-    <a:masterClrMapping/>
-  </p:clrMapOvr>
-</p:sld>
-</file>
-
-<file path=ppt/slides/slide11.xml><?xml version="1.0" encoding="utf-8"?>
-<p:sld xmlns:a="http://schemas.openxmlformats.org/drawingml/2006/main" xmlns:r="http://schemas.openxmlformats.org/officeDocument/2006/relationships" xmlns:p="http://schemas.openxmlformats.org/presentationml/2006/main">
-  <p:cSld>
-    <p:spTree>
-      <p:nvGrpSpPr>
-        <p:cNvPr id="1" name=""/>
-        <p:cNvGrpSpPr/>
-        <p:nvPr/>
-      </p:nvGrpSpPr>
-      <p:grpSpPr>
-        <a:xfrm>
-          <a:off x="0" y="0"/>
-          <a:ext cx="0" cy="0"/>
-          <a:chOff x="0" y="0"/>
-          <a:chExt cx="0" cy="0"/>
-        </a:xfrm>
-      </p:grpSpPr>
-      <p:sp>
-        <p:nvSpPr>
-          <p:cNvPr id="5" name="Title 4">
-            <a:extLst>
-              <a:ext uri="{FF2B5EF4-FFF2-40B4-BE49-F238E27FC236}">
-                <a16:creationId xmlns:a16="http://schemas.microsoft.com/office/drawing/2014/main" id="{90FD2B8A-CCB1-4C48-886F-5C4685F991D3}"/>
-              </a:ext>
-            </a:extLst>
-          </p:cNvPr>
-          <p:cNvSpPr>
-            <a:spLocks noGrp="1"/>
-          </p:cNvSpPr>
-          <p:nvPr>
-            <p:ph type="title"/>
-          </p:nvPr>
-        </p:nvSpPr>
-        <p:spPr/>
-        <p:txBody>
-          <a:bodyPr/>
-          <a:lstStyle/>
-          <a:p>
-            <a:pPr algn="ctr"/>
-            <a:r>
-              <a:rPr lang="en-US" sz="3200" dirty="0"/>
-              <a:t>Convert Data Dictionary into </a:t>
-            </a:r>
-            <a:r>
-              <a:rPr lang="en-US" sz="3200" dirty="0" err="1"/>
-              <a:t>DataFrame</a:t>
-            </a:r>
-            <a:endParaRPr lang="en-US" sz="3200" dirty="0"/>
-          </a:p>
-        </p:txBody>
-      </p:sp>
-      <p:pic>
-        <p:nvPicPr>
-          <p:cNvPr id="8" name="Content Placeholder 7">
-            <a:extLst>
-              <a:ext uri="{FF2B5EF4-FFF2-40B4-BE49-F238E27FC236}">
-                <a16:creationId xmlns:a16="http://schemas.microsoft.com/office/drawing/2014/main" id="{37F47315-4DD1-4FB3-AAA8-08A25A697D7C}"/>
-              </a:ext>
-            </a:extLst>
-          </p:cNvPr>
-          <p:cNvPicPr>
-            <a:picLocks noGrp="1" noChangeAspect="1"/>
-          </p:cNvPicPr>
-          <p:nvPr>
-            <p:ph idx="1"/>
-          </p:nvPr>
-        </p:nvPicPr>
-        <p:blipFill>
-          <a:blip r:embed="rId2"/>
-          <a:stretch>
-            <a:fillRect/>
-          </a:stretch>
-        </p:blipFill>
-        <p:spPr>
-          <a:xfrm>
-            <a:off x="1155700" y="3242653"/>
-            <a:ext cx="8761413" cy="2137994"/>
-          </a:xfrm>
-        </p:spPr>
-      </p:pic>
-    </p:spTree>
-    <p:extLst>
-      <p:ext uri="{BB962C8B-B14F-4D97-AF65-F5344CB8AC3E}">
-        <p14:creationId xmlns:p14="http://schemas.microsoft.com/office/powerpoint/2010/main" val="261821696"/>
-      </p:ext>
-    </p:extLst>
-  </p:cSld>
-  <p:clrMapOvr>
-    <a:masterClrMapping/>
-  </p:clrMapOvr>
-</p:sld>
-</file>
-
-<file path=ppt/slides/slide12.xml><?xml version="1.0" encoding="utf-8"?>
-<p:sld xmlns:a="http://schemas.openxmlformats.org/drawingml/2006/main" xmlns:r="http://schemas.openxmlformats.org/officeDocument/2006/relationships" xmlns:p="http://schemas.openxmlformats.org/presentationml/2006/main">
-  <p:cSld>
-    <p:spTree>
-      <p:nvGrpSpPr>
-        <p:cNvPr id="1" name=""/>
-        <p:cNvGrpSpPr/>
-        <p:nvPr/>
-      </p:nvGrpSpPr>
-      <p:grpSpPr>
-        <a:xfrm>
-          <a:off x="0" y="0"/>
-          <a:ext cx="0" cy="0"/>
-          <a:chOff x="0" y="0"/>
-          <a:chExt cx="0" cy="0"/>
-        </a:xfrm>
-      </p:grpSpPr>
-      <p:sp>
-        <p:nvSpPr>
-          <p:cNvPr id="2" name="Title 1">
-            <a:extLst>
-              <a:ext uri="{FF2B5EF4-FFF2-40B4-BE49-F238E27FC236}">
-                <a16:creationId xmlns:a16="http://schemas.microsoft.com/office/drawing/2014/main" id="{7B4D7A18-C982-4778-A7C1-B99783CEAC03}"/>
-              </a:ext>
-            </a:extLst>
-          </p:cNvPr>
-          <p:cNvSpPr>
-            <a:spLocks noGrp="1"/>
-          </p:cNvSpPr>
-          <p:nvPr>
-            <p:ph type="title"/>
-          </p:nvPr>
-        </p:nvSpPr>
-        <p:spPr/>
-        <p:txBody>
-          <a:bodyPr/>
-          <a:lstStyle/>
-          <a:p>
-            <a:pPr algn="ctr"/>
-            <a:r>
-              <a:rPr lang="en-US" dirty="0"/>
-              <a:t>Select * From </a:t>
-            </a:r>
-            <a:r>
-              <a:rPr lang="en-US" dirty="0" err="1"/>
-              <a:t>cleaned_movies</a:t>
-            </a:r>
-            <a:endParaRPr lang="en-US" dirty="0"/>
-          </a:p>
-        </p:txBody>
-      </p:sp>
-      <p:pic>
-        <p:nvPicPr>
-          <p:cNvPr id="14" name="Content Placeholder 13">
-            <a:extLst>
-              <a:ext uri="{FF2B5EF4-FFF2-40B4-BE49-F238E27FC236}">
-                <a16:creationId xmlns:a16="http://schemas.microsoft.com/office/drawing/2014/main" id="{2C4BF490-63B1-425F-B14A-B0E14B99966D}"/>
-              </a:ext>
-            </a:extLst>
-          </p:cNvPr>
-          <p:cNvPicPr>
-            <a:picLocks noGrp="1" noChangeAspect="1"/>
-          </p:cNvPicPr>
-          <p:nvPr>
-            <p:ph idx="1"/>
-          </p:nvPr>
-        </p:nvPicPr>
-        <p:blipFill>
-          <a:blip r:embed="rId2"/>
-          <a:stretch>
-            <a:fillRect/>
-          </a:stretch>
-        </p:blipFill>
-        <p:spPr>
-          <a:xfrm>
-            <a:off x="1155700" y="2678552"/>
-            <a:ext cx="8761413" cy="3266196"/>
-          </a:xfrm>
-        </p:spPr>
-      </p:pic>
-    </p:spTree>
-    <p:extLst>
-      <p:ext uri="{BB962C8B-B14F-4D97-AF65-F5344CB8AC3E}">
-        <p14:creationId xmlns:p14="http://schemas.microsoft.com/office/powerpoint/2010/main" val="2349291178"/>
-      </p:ext>
-    </p:extLst>
-  </p:cSld>
-  <p:clrMapOvr>
-    <a:masterClrMapping/>
-  </p:clrMapOvr>
-</p:sld>
-</file>
-
-<file path=ppt/slides/slide13.xml><?xml version="1.0" encoding="utf-8"?>
-<p:sld xmlns:a="http://schemas.openxmlformats.org/drawingml/2006/main" xmlns:r="http://schemas.openxmlformats.org/officeDocument/2006/relationships" xmlns:p="http://schemas.openxmlformats.org/presentationml/2006/main">
-  <p:cSld>
-    <p:spTree>
-      <p:nvGrpSpPr>
-        <p:cNvPr id="1" name=""/>
-        <p:cNvGrpSpPr/>
-        <p:nvPr/>
-      </p:nvGrpSpPr>
-      <p:grpSpPr>
-        <a:xfrm>
-          <a:off x="0" y="0"/>
-          <a:ext cx="0" cy="0"/>
-          <a:chOff x="0" y="0"/>
-          <a:chExt cx="0" cy="0"/>
-        </a:xfrm>
-      </p:grpSpPr>
-      <p:sp>
-        <p:nvSpPr>
-          <p:cNvPr id="2" name="Title 1">
-            <a:extLst>
-              <a:ext uri="{FF2B5EF4-FFF2-40B4-BE49-F238E27FC236}">
-                <a16:creationId xmlns:a16="http://schemas.microsoft.com/office/drawing/2014/main" id="{CF873A0E-594B-47E4-9673-E804023D0FEA}"/>
-              </a:ext>
-            </a:extLst>
-          </p:cNvPr>
-          <p:cNvSpPr>
-            <a:spLocks noGrp="1"/>
-          </p:cNvSpPr>
-          <p:nvPr>
-            <p:ph type="title"/>
-          </p:nvPr>
-        </p:nvSpPr>
-        <p:spPr/>
-        <p:txBody>
-          <a:bodyPr/>
-          <a:lstStyle/>
-          <a:p>
-            <a:pPr algn="ctr"/>
-            <a:r>
-              <a:rPr lang="en-US" dirty="0"/>
-              <a:t>Select * From genre</a:t>
-            </a:r>
-          </a:p>
-        </p:txBody>
-      </p:sp>
-      <p:pic>
-        <p:nvPicPr>
-          <p:cNvPr id="5" name="Content Placeholder 4">
-            <a:extLst>
-              <a:ext uri="{FF2B5EF4-FFF2-40B4-BE49-F238E27FC236}">
-                <a16:creationId xmlns:a16="http://schemas.microsoft.com/office/drawing/2014/main" id="{A79ADCF5-E122-4415-BB3C-003113BB5582}"/>
-              </a:ext>
-            </a:extLst>
-          </p:cNvPr>
-          <p:cNvPicPr>
-            <a:picLocks noGrp="1" noChangeAspect="1"/>
-          </p:cNvPicPr>
-          <p:nvPr>
-            <p:ph idx="1"/>
-          </p:nvPr>
-        </p:nvPicPr>
-        <p:blipFill>
-          <a:blip r:embed="rId2"/>
-          <a:stretch>
-            <a:fillRect/>
-          </a:stretch>
-        </p:blipFill>
-        <p:spPr>
-          <a:xfrm>
-            <a:off x="1263847" y="2849358"/>
-            <a:ext cx="8545118" cy="2924583"/>
-          </a:xfrm>
-        </p:spPr>
-      </p:pic>
-    </p:spTree>
-    <p:extLst>
-      <p:ext uri="{BB962C8B-B14F-4D97-AF65-F5344CB8AC3E}">
-        <p14:creationId xmlns:p14="http://schemas.microsoft.com/office/powerpoint/2010/main" val="2673104254"/>
-      </p:ext>
-    </p:extLst>
-  </p:cSld>
-  <p:clrMapOvr>
-    <a:masterClrMapping/>
-  </p:clrMapOvr>
-</p:sld>
-</file>
-
-<file path=ppt/slides/slide14.xml><?xml version="1.0" encoding="utf-8"?>
-<p:sld xmlns:a="http://schemas.openxmlformats.org/drawingml/2006/main" xmlns:r="http://schemas.openxmlformats.org/officeDocument/2006/relationships" xmlns:p="http://schemas.openxmlformats.org/presentationml/2006/main">
-  <p:cSld>
-    <p:spTree>
-      <p:nvGrpSpPr>
-        <p:cNvPr id="1" name=""/>
-        <p:cNvGrpSpPr/>
-        <p:nvPr/>
-      </p:nvGrpSpPr>
-      <p:grpSpPr>
-        <a:xfrm>
-          <a:off x="0" y="0"/>
-          <a:ext cx="0" cy="0"/>
-          <a:chOff x="0" y="0"/>
-          <a:chExt cx="0" cy="0"/>
-        </a:xfrm>
-      </p:grpSpPr>
-      <p:sp>
-        <p:nvSpPr>
-          <p:cNvPr id="2" name="Title 1">
-            <a:extLst>
-              <a:ext uri="{FF2B5EF4-FFF2-40B4-BE49-F238E27FC236}">
-                <a16:creationId xmlns:a16="http://schemas.microsoft.com/office/drawing/2014/main" id="{E1D09225-BADC-4B41-880E-49FFD0D6407B}"/>
-              </a:ext>
-            </a:extLst>
-          </p:cNvPr>
-          <p:cNvSpPr>
-            <a:spLocks noGrp="1"/>
-          </p:cNvSpPr>
-          <p:nvPr>
-            <p:ph type="title"/>
-          </p:nvPr>
-        </p:nvSpPr>
-        <p:spPr/>
-        <p:txBody>
-          <a:bodyPr/>
-          <a:lstStyle/>
-          <a:p>
-            <a:pPr algn="ctr"/>
-            <a:r>
-              <a:rPr lang="en-US" dirty="0"/>
-              <a:t>Select * From tags</a:t>
-            </a:r>
-          </a:p>
-        </p:txBody>
-      </p:sp>
-      <p:pic>
-        <p:nvPicPr>
-          <p:cNvPr id="13" name="Content Placeholder 12">
-            <a:extLst>
-              <a:ext uri="{FF2B5EF4-FFF2-40B4-BE49-F238E27FC236}">
-                <a16:creationId xmlns:a16="http://schemas.microsoft.com/office/drawing/2014/main" id="{47F43A8E-123F-4AA9-B646-FABC690380F2}"/>
-              </a:ext>
-            </a:extLst>
-          </p:cNvPr>
-          <p:cNvPicPr>
-            <a:picLocks noGrp="1" noChangeAspect="1"/>
-          </p:cNvPicPr>
-          <p:nvPr>
-            <p:ph idx="1"/>
-          </p:nvPr>
-        </p:nvPicPr>
-        <p:blipFill>
-          <a:blip r:embed="rId2"/>
-          <a:stretch>
-            <a:fillRect/>
-          </a:stretch>
-        </p:blipFill>
-        <p:spPr>
-          <a:xfrm>
-            <a:off x="1155700" y="3113946"/>
-            <a:ext cx="8761413" cy="2395407"/>
-          </a:xfrm>
-        </p:spPr>
-      </p:pic>
-    </p:spTree>
-    <p:extLst>
-      <p:ext uri="{BB962C8B-B14F-4D97-AF65-F5344CB8AC3E}">
-        <p14:creationId xmlns:p14="http://schemas.microsoft.com/office/powerpoint/2010/main" val="898147838"/>
-      </p:ext>
-    </p:extLst>
-  </p:cSld>
-  <p:clrMapOvr>
-    <a:masterClrMapping/>
-  </p:clrMapOvr>
-</p:sld>
-</file>
-
-<file path=ppt/slides/slide15.xml><?xml version="1.0" encoding="utf-8"?>
-<p:sld xmlns:a="http://schemas.openxmlformats.org/drawingml/2006/main" xmlns:r="http://schemas.openxmlformats.org/officeDocument/2006/relationships" xmlns:p="http://schemas.openxmlformats.org/presentationml/2006/main">
-  <p:cSld>
-    <p:spTree>
-      <p:nvGrpSpPr>
-        <p:cNvPr id="1" name=""/>
-        <p:cNvGrpSpPr/>
-        <p:nvPr/>
-      </p:nvGrpSpPr>
-      <p:grpSpPr>
-        <a:xfrm>
-          <a:off x="0" y="0"/>
-          <a:ext cx="0" cy="0"/>
-          <a:chOff x="0" y="0"/>
-          <a:chExt cx="0" cy="0"/>
-        </a:xfrm>
-      </p:grpSpPr>
-      <p:sp>
-        <p:nvSpPr>
-          <p:cNvPr id="2" name="Title 1">
-            <a:extLst>
-              <a:ext uri="{FF2B5EF4-FFF2-40B4-BE49-F238E27FC236}">
-                <a16:creationId xmlns:a16="http://schemas.microsoft.com/office/drawing/2014/main" id="{E21F8CBE-7015-4484-8070-931AFBA6E2BB}"/>
-              </a:ext>
-            </a:extLst>
-          </p:cNvPr>
-          <p:cNvSpPr>
-            <a:spLocks noGrp="1"/>
-          </p:cNvSpPr>
-          <p:nvPr>
-            <p:ph type="title"/>
-          </p:nvPr>
-        </p:nvSpPr>
-        <p:spPr/>
-        <p:txBody>
-          <a:bodyPr/>
-          <a:lstStyle/>
-          <a:p>
-            <a:pPr algn="ctr"/>
-            <a:r>
-              <a:rPr lang="en-US" dirty="0"/>
-              <a:t>Select * From ratings</a:t>
-            </a:r>
-          </a:p>
-        </p:txBody>
-      </p:sp>
-      <p:pic>
-        <p:nvPicPr>
-          <p:cNvPr id="5" name="Content Placeholder 4">
-            <a:extLst>
-              <a:ext uri="{FF2B5EF4-FFF2-40B4-BE49-F238E27FC236}">
-                <a16:creationId xmlns:a16="http://schemas.microsoft.com/office/drawing/2014/main" id="{FFCD6CAB-BB47-4AEA-B05E-638C150865E1}"/>
-              </a:ext>
-            </a:extLst>
-          </p:cNvPr>
-          <p:cNvPicPr>
-            <a:picLocks noGrp="1" noChangeAspect="1"/>
-          </p:cNvPicPr>
-          <p:nvPr>
-            <p:ph idx="1"/>
-          </p:nvPr>
-        </p:nvPicPr>
-        <p:blipFill>
-          <a:blip r:embed="rId2"/>
-          <a:stretch>
-            <a:fillRect/>
-          </a:stretch>
-        </p:blipFill>
-        <p:spPr>
-          <a:xfrm>
-            <a:off x="1211453" y="2768384"/>
-            <a:ext cx="8649907" cy="3086531"/>
-          </a:xfrm>
-        </p:spPr>
-      </p:pic>
-    </p:spTree>
-    <p:extLst>
-      <p:ext uri="{BB962C8B-B14F-4D97-AF65-F5344CB8AC3E}">
-        <p14:creationId xmlns:p14="http://schemas.microsoft.com/office/powerpoint/2010/main" val="2768107940"/>
-      </p:ext>
-    </p:extLst>
-  </p:cSld>
-  <p:clrMapOvr>
-    <a:masterClrMapping/>
-  </p:clrMapOvr>
-</p:sld>
-</file>
-
-<file path=ppt/slides/slide16.xml><?xml version="1.0" encoding="utf-8"?>
-<p:sld xmlns:a="http://schemas.openxmlformats.org/drawingml/2006/main" xmlns:r="http://schemas.openxmlformats.org/officeDocument/2006/relationships" xmlns:p="http://schemas.openxmlformats.org/presentationml/2006/main">
-  <p:cSld>
-    <p:spTree>
-      <p:nvGrpSpPr>
-        <p:cNvPr id="1" name=""/>
-        <p:cNvGrpSpPr/>
-        <p:nvPr/>
-      </p:nvGrpSpPr>
-      <p:grpSpPr>
-        <a:xfrm>
-          <a:off x="0" y="0"/>
-          <a:ext cx="0" cy="0"/>
-          <a:chOff x="0" y="0"/>
-          <a:chExt cx="0" cy="0"/>
-        </a:xfrm>
-      </p:grpSpPr>
-      <p:sp>
-        <p:nvSpPr>
-          <p:cNvPr id="2" name="Title 1">
-            <a:extLst>
-              <a:ext uri="{FF2B5EF4-FFF2-40B4-BE49-F238E27FC236}">
-                <a16:creationId xmlns:a16="http://schemas.microsoft.com/office/drawing/2014/main" id="{C9BC048F-EF88-4FAF-991F-7A16A53F47FC}"/>
-              </a:ext>
-            </a:extLst>
-          </p:cNvPr>
-          <p:cNvSpPr>
-            <a:spLocks noGrp="1"/>
-          </p:cNvSpPr>
-          <p:nvPr>
-            <p:ph type="title"/>
-          </p:nvPr>
-        </p:nvSpPr>
-        <p:spPr/>
-        <p:txBody>
-          <a:bodyPr/>
-          <a:lstStyle/>
-          <a:p>
-            <a:pPr algn="ctr"/>
-            <a:r>
-              <a:rPr lang="en-US" dirty="0"/>
-              <a:t>Select * From links</a:t>
-            </a:r>
-          </a:p>
-        </p:txBody>
-      </p:sp>
-      <p:pic>
-        <p:nvPicPr>
-          <p:cNvPr id="5" name="Content Placeholder 4">
-            <a:extLst>
-              <a:ext uri="{FF2B5EF4-FFF2-40B4-BE49-F238E27FC236}">
-                <a16:creationId xmlns:a16="http://schemas.microsoft.com/office/drawing/2014/main" id="{B0416372-55DD-4770-BD1A-6408A3BEB66E}"/>
-              </a:ext>
-            </a:extLst>
-          </p:cNvPr>
-          <p:cNvPicPr>
-            <a:picLocks noGrp="1" noChangeAspect="1"/>
-          </p:cNvPicPr>
-          <p:nvPr>
-            <p:ph idx="1"/>
-          </p:nvPr>
-        </p:nvPicPr>
-        <p:blipFill>
-          <a:blip r:embed="rId2"/>
-          <a:stretch>
-            <a:fillRect/>
-          </a:stretch>
-        </p:blipFill>
-        <p:spPr>
-          <a:xfrm>
-            <a:off x="1155700" y="2860928"/>
-            <a:ext cx="8761413" cy="2901444"/>
-          </a:xfrm>
-        </p:spPr>
-      </p:pic>
-    </p:spTree>
-    <p:extLst>
-      <p:ext uri="{BB962C8B-B14F-4D97-AF65-F5344CB8AC3E}">
-        <p14:creationId xmlns:p14="http://schemas.microsoft.com/office/powerpoint/2010/main" val="2148103805"/>
-      </p:ext>
-    </p:extLst>
-  </p:cSld>
-  <p:clrMapOvr>
-    <a:masterClrMapping/>
-  </p:clrMapOvr>
-</p:sld>
-</file>
-
-<file path=ppt/slides/slide17.xml><?xml version="1.0" encoding="utf-8"?>
-<p:sld xmlns:a="http://schemas.openxmlformats.org/drawingml/2006/main" xmlns:r="http://schemas.openxmlformats.org/officeDocument/2006/relationships" xmlns:p="http://schemas.openxmlformats.org/presentationml/2006/main">
-  <p:cSld>
-    <p:spTree>
-      <p:nvGrpSpPr>
-        <p:cNvPr id="1" name=""/>
-        <p:cNvGrpSpPr/>
-        <p:nvPr/>
-      </p:nvGrpSpPr>
-      <p:grpSpPr>
-        <a:xfrm>
-          <a:off x="0" y="0"/>
-          <a:ext cx="0" cy="0"/>
-          <a:chOff x="0" y="0"/>
-          <a:chExt cx="0" cy="0"/>
-        </a:xfrm>
-      </p:grpSpPr>
-      <p:sp>
-        <p:nvSpPr>
-          <p:cNvPr id="2" name="Title 1">
-            <a:extLst>
-              <a:ext uri="{FF2B5EF4-FFF2-40B4-BE49-F238E27FC236}">
-                <a16:creationId xmlns:a16="http://schemas.microsoft.com/office/drawing/2014/main" id="{37B63FE6-2DFE-4653-B053-CC072B21557A}"/>
-              </a:ext>
-            </a:extLst>
-          </p:cNvPr>
-          <p:cNvSpPr>
-            <a:spLocks noGrp="1"/>
-          </p:cNvSpPr>
-          <p:nvPr>
-            <p:ph type="title"/>
-          </p:nvPr>
-        </p:nvSpPr>
-        <p:spPr/>
-        <p:txBody>
-          <a:bodyPr/>
-          <a:lstStyle/>
-          <a:p>
-            <a:pPr algn="ctr"/>
-            <a:r>
-              <a:rPr lang="en-US" dirty="0"/>
-              <a:t>Total Movies By Genre Category</a:t>
-            </a:r>
-          </a:p>
-        </p:txBody>
-      </p:sp>
-      <p:pic>
-        <p:nvPicPr>
-          <p:cNvPr id="7" name="Content Placeholder 6">
-            <a:extLst>
-              <a:ext uri="{FF2B5EF4-FFF2-40B4-BE49-F238E27FC236}">
-                <a16:creationId xmlns:a16="http://schemas.microsoft.com/office/drawing/2014/main" id="{C146E63E-4B1E-4EC0-869F-DCE87CF0B759}"/>
-              </a:ext>
-            </a:extLst>
-          </p:cNvPr>
-          <p:cNvPicPr>
-            <a:picLocks noGrp="1" noChangeAspect="1"/>
-          </p:cNvPicPr>
-          <p:nvPr>
-            <p:ph sz="half" idx="1"/>
-          </p:nvPr>
-        </p:nvPicPr>
-        <p:blipFill>
-          <a:blip r:embed="rId2"/>
-          <a:stretch>
-            <a:fillRect/>
-          </a:stretch>
-        </p:blipFill>
-        <p:spPr>
-          <a:xfrm>
-            <a:off x="1150938" y="3185049"/>
-            <a:ext cx="4829175" cy="2253201"/>
-          </a:xfrm>
-        </p:spPr>
-      </p:pic>
-      <p:pic>
-        <p:nvPicPr>
-          <p:cNvPr id="9" name="Content Placeholder 8">
-            <a:extLst>
-              <a:ext uri="{FF2B5EF4-FFF2-40B4-BE49-F238E27FC236}">
-                <a16:creationId xmlns:a16="http://schemas.microsoft.com/office/drawing/2014/main" id="{2D30017D-CD07-46ED-81DD-6EF13458D352}"/>
-              </a:ext>
-            </a:extLst>
-          </p:cNvPr>
-          <p:cNvPicPr>
-            <a:picLocks noGrp="1" noChangeAspect="1"/>
-          </p:cNvPicPr>
-          <p:nvPr>
-            <p:ph sz="half" idx="2"/>
-          </p:nvPr>
-        </p:nvPicPr>
-        <p:blipFill>
-          <a:blip r:embed="rId3"/>
-          <a:stretch>
-            <a:fillRect/>
-          </a:stretch>
-        </p:blipFill>
-        <p:spPr>
-          <a:xfrm>
-            <a:off x="6556463" y="2603500"/>
-            <a:ext cx="4128911" cy="3378200"/>
-          </a:xfrm>
-        </p:spPr>
-      </p:pic>
-    </p:spTree>
-    <p:extLst>
-      <p:ext uri="{BB962C8B-B14F-4D97-AF65-F5344CB8AC3E}">
-        <p14:creationId xmlns:p14="http://schemas.microsoft.com/office/powerpoint/2010/main" val="1375488421"/>
-      </p:ext>
-    </p:extLst>
-  </p:cSld>
-  <p:clrMapOvr>
-    <a:masterClrMapping/>
-  </p:clrMapOvr>
-</p:sld>
-</file>
-
-<file path=ppt/slides/slide2.xml><?xml version="1.0" encoding="utf-8"?>
-<p:sld xmlns:a="http://schemas.openxmlformats.org/drawingml/2006/main" xmlns:r="http://schemas.openxmlformats.org/officeDocument/2006/relationships" xmlns:p="http://schemas.openxmlformats.org/presentationml/2006/main">
-  <p:cSld>
-    <p:spTree>
-      <p:nvGrpSpPr>
-        <p:cNvPr id="1" name=""/>
-        <p:cNvGrpSpPr/>
-        <p:nvPr/>
-      </p:nvGrpSpPr>
-      <p:grpSpPr>
-        <a:xfrm>
-          <a:off x="0" y="0"/>
-          <a:ext cx="0" cy="0"/>
-          <a:chOff x="0" y="0"/>
-          <a:chExt cx="0" cy="0"/>
-        </a:xfrm>
-      </p:grpSpPr>
-      <p:sp>
-        <p:nvSpPr>
-          <p:cNvPr id="2" name="Title 1">
-            <a:extLst>
-              <a:ext uri="{FF2B5EF4-FFF2-40B4-BE49-F238E27FC236}">
-                <a16:creationId xmlns:a16="http://schemas.microsoft.com/office/drawing/2014/main" id="{D4C966C3-62A0-4C54-9285-28F385F9DADF}"/>
-              </a:ext>
-            </a:extLst>
-          </p:cNvPr>
-          <p:cNvSpPr>
-            <a:spLocks noGrp="1"/>
-          </p:cNvSpPr>
-          <p:nvPr>
-            <p:ph type="title"/>
-          </p:nvPr>
-        </p:nvSpPr>
-        <p:spPr/>
-        <p:txBody>
-          <a:bodyPr/>
-          <a:lstStyle/>
-          <a:p>
-            <a:pPr algn="ctr"/>
-            <a:r>
-              <a:rPr lang="en-US" dirty="0"/>
-              <a:t>Introduction</a:t>
-            </a:r>
-          </a:p>
-        </p:txBody>
-      </p:sp>
-      <p:sp>
-        <p:nvSpPr>
-          <p:cNvPr id="3" name="Content Placeholder 2">
-            <a:extLst>
-              <a:ext uri="{FF2B5EF4-FFF2-40B4-BE49-F238E27FC236}">
-                <a16:creationId xmlns:a16="http://schemas.microsoft.com/office/drawing/2014/main" id="{4B90CCBA-2AC7-4F55-AF77-A87E523854B1}"/>
-              </a:ext>
-            </a:extLst>
-          </p:cNvPr>
-          <p:cNvSpPr>
-            <a:spLocks noGrp="1"/>
-          </p:cNvSpPr>
-          <p:nvPr>
-            <p:ph idx="1"/>
-          </p:nvPr>
-        </p:nvSpPr>
-        <p:spPr/>
-        <p:txBody>
-          <a:bodyPr>
-            <a:normAutofit fontScale="92500" lnSpcReduction="10000"/>
-          </a:bodyPr>
-          <a:lstStyle/>
-          <a:p>
-            <a:r>
-              <a:rPr lang="en-US" dirty="0"/>
-              <a:t>Dataset utilized: </a:t>
-            </a:r>
-            <a:r>
-              <a:rPr lang="en-US" dirty="0" err="1"/>
-              <a:t>MovieLens</a:t>
-            </a:r>
-            <a:r>
-              <a:rPr lang="en-US" dirty="0"/>
-              <a:t> Latest Datasets</a:t>
-            </a:r>
-          </a:p>
-          <a:p>
-            <a:r>
-              <a:rPr lang="en-US" dirty="0"/>
-              <a:t>Source: grouplens.org</a:t>
-            </a:r>
-          </a:p>
-          <a:p>
-            <a:r>
-              <a:rPr lang="en-US" dirty="0"/>
-              <a:t>Description: Dataset provides ratings from over 600 users corresponding to a sample of 9,000 movies. Additional information includes keyword tags, genre categorization, and the release year associated with each movie title.</a:t>
-            </a:r>
-          </a:p>
-          <a:p>
-            <a:r>
-              <a:rPr lang="en-US" dirty="0"/>
-              <a:t>Files under consideration:</a:t>
-            </a:r>
-          </a:p>
-          <a:p>
-            <a:pPr lvl="4">
-              <a:buFont typeface="+mj-lt"/>
-              <a:buAutoNum type="alphaLcParenR"/>
-            </a:pPr>
-            <a:r>
-              <a:rPr lang="en-US" sz="1600" dirty="0"/>
-              <a:t>movies.csv</a:t>
-            </a:r>
-          </a:p>
-          <a:p>
-            <a:pPr lvl="4">
-              <a:buFont typeface="+mj-lt"/>
-              <a:buAutoNum type="alphaLcParenR"/>
-            </a:pPr>
-            <a:r>
-              <a:rPr lang="en-US" sz="1600" dirty="0"/>
-              <a:t>ratings.csv</a:t>
-            </a:r>
-          </a:p>
-          <a:p>
-            <a:pPr lvl="4">
-              <a:buFont typeface="+mj-lt"/>
-              <a:buAutoNum type="alphaLcParenR"/>
-            </a:pPr>
-            <a:r>
-              <a:rPr lang="en-US" sz="1600" dirty="0"/>
-              <a:t>tags.csv</a:t>
-            </a:r>
-          </a:p>
-          <a:p>
-            <a:pPr lvl="4">
-              <a:buFont typeface="+mj-lt"/>
-              <a:buAutoNum type="alphaLcParenR"/>
-            </a:pPr>
-            <a:r>
-              <a:rPr lang="en-US" sz="1600" dirty="0"/>
-              <a:t>links.csv</a:t>
-            </a:r>
-          </a:p>
-        </p:txBody>
-      </p:sp>
-    </p:spTree>
-    <p:extLst>
-      <p:ext uri="{BB962C8B-B14F-4D97-AF65-F5344CB8AC3E}">
-        <p14:creationId xmlns:p14="http://schemas.microsoft.com/office/powerpoint/2010/main" val="762763380"/>
-      </p:ext>
-    </p:extLst>
-  </p:cSld>
-  <p:clrMapOvr>
-    <a:masterClrMapping/>
-  </p:clrMapOvr>
-</p:sld>
-</file>
-
-<file path=ppt/slides/slide3.xml><?xml version="1.0" encoding="utf-8"?>
-<p:sld xmlns:a="http://schemas.openxmlformats.org/drawingml/2006/main" xmlns:r="http://schemas.openxmlformats.org/officeDocument/2006/relationships" xmlns:p="http://schemas.openxmlformats.org/presentationml/2006/main">
-  <p:cSld>
-    <p:spTree>
-      <p:nvGrpSpPr>
-        <p:cNvPr id="1" name=""/>
-        <p:cNvGrpSpPr/>
-        <p:nvPr/>
-      </p:nvGrpSpPr>
-      <p:grpSpPr>
-        <a:xfrm>
-          <a:off x="0" y="0"/>
-          <a:ext cx="0" cy="0"/>
-          <a:chOff x="0" y="0"/>
-          <a:chExt cx="0" cy="0"/>
-        </a:xfrm>
-      </p:grpSpPr>
-      <p:sp>
-        <p:nvSpPr>
-          <p:cNvPr id="2" name="Title 1">
-            <a:extLst>
-              <a:ext uri="{FF2B5EF4-FFF2-40B4-BE49-F238E27FC236}">
-                <a16:creationId xmlns:a16="http://schemas.microsoft.com/office/drawing/2014/main" id="{0294DDD2-1867-4339-8568-87DF40174FD5}"/>
-              </a:ext>
-            </a:extLst>
-          </p:cNvPr>
-          <p:cNvSpPr>
-            <a:spLocks noGrp="1"/>
-          </p:cNvSpPr>
-          <p:nvPr>
-            <p:ph type="title"/>
-          </p:nvPr>
-        </p:nvSpPr>
-        <p:spPr/>
-        <p:txBody>
-          <a:bodyPr/>
-          <a:lstStyle/>
-          <a:p>
-            <a:pPr algn="ctr"/>
-            <a:r>
-              <a:rPr lang="en-US" dirty="0"/>
-              <a:t>Relevant Queries </a:t>
-            </a:r>
-          </a:p>
-        </p:txBody>
-      </p:sp>
-      <p:sp>
-        <p:nvSpPr>
-          <p:cNvPr id="3" name="Content Placeholder 2">
-            <a:extLst>
-              <a:ext uri="{FF2B5EF4-FFF2-40B4-BE49-F238E27FC236}">
-                <a16:creationId xmlns:a16="http://schemas.microsoft.com/office/drawing/2014/main" id="{A8770FCE-B837-4B34-986B-DA51D8D6487F}"/>
-              </a:ext>
-            </a:extLst>
-          </p:cNvPr>
-          <p:cNvSpPr>
-            <a:spLocks noGrp="1"/>
-          </p:cNvSpPr>
-          <p:nvPr>
-            <p:ph idx="1"/>
-          </p:nvPr>
-        </p:nvSpPr>
-        <p:spPr>
-          <a:xfrm>
-            <a:off x="1154953" y="2659483"/>
-            <a:ext cx="8761413" cy="3416300"/>
-          </a:xfrm>
-        </p:spPr>
-        <p:txBody>
-          <a:bodyPr/>
-          <a:lstStyle/>
-          <a:p>
-            <a:pPr rtl="0">
-              <a:spcBef>
-                <a:spcPts val="0"/>
-              </a:spcBef>
-              <a:spcAft>
-                <a:spcPts val="0"/>
-              </a:spcAft>
-            </a:pPr>
-            <a:r>
-              <a:rPr lang="en-US" sz="1800" b="0" i="0" u="none" strike="noStrike" dirty="0">
-                <a:solidFill>
-                  <a:srgbClr val="000000"/>
-                </a:solidFill>
-                <a:effectLst/>
-                <a:latin typeface="+mj-lt"/>
-              </a:rPr>
-              <a:t>Movies database querying:</a:t>
-            </a:r>
-            <a:br>
-              <a:rPr lang="en-US" b="0" dirty="0">
-                <a:effectLst/>
-                <a:latin typeface="+mj-lt"/>
-              </a:rPr>
-            </a:br>
-            <a:endParaRPr lang="en-US" b="0" dirty="0">
-              <a:effectLst/>
-              <a:latin typeface="+mj-lt"/>
-            </a:endParaRPr>
-          </a:p>
-          <a:p>
-            <a:pPr rtl="0">
-              <a:spcBef>
-                <a:spcPts val="0"/>
-              </a:spcBef>
-              <a:spcAft>
-                <a:spcPts val="0"/>
-              </a:spcAft>
-              <a:buFont typeface="+mj-lt"/>
-              <a:buAutoNum type="arabicPeriod"/>
-            </a:pPr>
-            <a:r>
-              <a:rPr lang="en-US" sz="1800" b="0" i="0" u="none" strike="noStrike" dirty="0">
-                <a:solidFill>
-                  <a:srgbClr val="000000"/>
-                </a:solidFill>
-                <a:effectLst/>
-                <a:latin typeface="+mj-lt"/>
-              </a:rPr>
-              <a:t>How many movies were released in a specified timeframe (e.g.2019)? [PostgreSQL]</a:t>
-            </a:r>
-          </a:p>
-          <a:p>
-            <a:pPr rtl="0" fontAlgn="base">
-              <a:spcBef>
-                <a:spcPts val="0"/>
-              </a:spcBef>
-              <a:spcAft>
-                <a:spcPts val="0"/>
-              </a:spcAft>
-              <a:buFont typeface="+mj-lt"/>
-              <a:buAutoNum type="arabicPeriod"/>
-            </a:pPr>
-            <a:r>
-              <a:rPr lang="en-US" sz="1800" b="0" i="0" u="none" strike="noStrike" dirty="0">
-                <a:solidFill>
-                  <a:srgbClr val="000000"/>
-                </a:solidFill>
-                <a:effectLst/>
-                <a:latin typeface="+mj-lt"/>
-              </a:rPr>
-              <a:t>How are movies classified among genres? [Pandas]</a:t>
-            </a:r>
-          </a:p>
-          <a:p>
-            <a:pPr rtl="0" fontAlgn="base">
-              <a:spcBef>
-                <a:spcPts val="0"/>
-              </a:spcBef>
-              <a:spcAft>
-                <a:spcPts val="0"/>
-              </a:spcAft>
-              <a:buFont typeface="+mj-lt"/>
-              <a:buAutoNum type="arabicPeriod"/>
-            </a:pPr>
-            <a:r>
-              <a:rPr lang="en-US" sz="1800" b="0" i="0" u="none" strike="noStrike" dirty="0">
-                <a:solidFill>
-                  <a:srgbClr val="000000"/>
-                </a:solidFill>
-                <a:effectLst/>
-                <a:latin typeface="+mj-lt"/>
-              </a:rPr>
-              <a:t>Being able to get results of specified criteria (e.g. movie titles) [PostgreSQL]</a:t>
-            </a:r>
-          </a:p>
-          <a:p>
-            <a:pPr rtl="0" fontAlgn="base">
-              <a:spcBef>
-                <a:spcPts val="0"/>
-              </a:spcBef>
-              <a:spcAft>
-                <a:spcPts val="0"/>
-              </a:spcAft>
-              <a:buFont typeface="+mj-lt"/>
-              <a:buAutoNum type="arabicPeriod"/>
-            </a:pPr>
-            <a:r>
-              <a:rPr lang="en-US" sz="1800" b="0" i="0" u="none" strike="noStrike" dirty="0">
-                <a:solidFill>
-                  <a:srgbClr val="000000"/>
-                </a:solidFill>
-                <a:effectLst/>
-                <a:latin typeface="+mj-lt"/>
-              </a:rPr>
-              <a:t>What are the most frequently occurring genres (</a:t>
-            </a:r>
-            <a:r>
-              <a:rPr lang="en-US" sz="1800" b="0" i="0" u="none" strike="noStrike" dirty="0" err="1">
-                <a:solidFill>
-                  <a:srgbClr val="000000"/>
-                </a:solidFill>
-                <a:effectLst/>
-                <a:latin typeface="+mj-lt"/>
-              </a:rPr>
-              <a:t>barchart</a:t>
-            </a:r>
-            <a:r>
-              <a:rPr lang="en-US" sz="1800" b="0" i="0" u="none" strike="noStrike" dirty="0">
-                <a:solidFill>
-                  <a:srgbClr val="000000"/>
-                </a:solidFill>
-                <a:effectLst/>
-                <a:latin typeface="+mj-lt"/>
-              </a:rPr>
-              <a:t>)? [Pandas]</a:t>
-            </a:r>
-          </a:p>
-          <a:p>
-            <a:pPr rtl="0" fontAlgn="base">
-              <a:spcBef>
-                <a:spcPts val="0"/>
-              </a:spcBef>
-              <a:spcAft>
-                <a:spcPts val="0"/>
-              </a:spcAft>
-              <a:buFont typeface="+mj-lt"/>
-              <a:buAutoNum type="arabicPeriod"/>
-            </a:pPr>
-            <a:r>
-              <a:rPr lang="en-US" sz="1800" b="0" i="0" u="none" strike="noStrike" dirty="0">
-                <a:solidFill>
-                  <a:srgbClr val="000000"/>
-                </a:solidFill>
-                <a:effectLst/>
-                <a:latin typeface="+mj-lt"/>
-              </a:rPr>
-              <a:t>What is the distribution of movies by rating (pie)? [Pandas]</a:t>
-            </a:r>
-          </a:p>
-          <a:p>
-            <a:endParaRPr lang="en-US" dirty="0"/>
-          </a:p>
-        </p:txBody>
-      </p:sp>
-    </p:spTree>
-    <p:extLst>
-      <p:ext uri="{BB962C8B-B14F-4D97-AF65-F5344CB8AC3E}">
-        <p14:creationId xmlns:p14="http://schemas.microsoft.com/office/powerpoint/2010/main" val="472736547"/>
-      </p:ext>
-    </p:extLst>
-  </p:cSld>
-  <p:clrMapOvr>
-    <a:masterClrMapping/>
-  </p:clrMapOvr>
-</p:sld>
-</file>
-
-<file path=ppt/slides/slide4.xml><?xml version="1.0" encoding="utf-8"?>
-<p:sld xmlns:a="http://schemas.openxmlformats.org/drawingml/2006/main" xmlns:r="http://schemas.openxmlformats.org/officeDocument/2006/relationships" xmlns:p="http://schemas.openxmlformats.org/presentationml/2006/main">
-  <p:cSld>
-    <p:spTree>
-      <p:nvGrpSpPr>
-        <p:cNvPr id="1" name=""/>
-        <p:cNvGrpSpPr/>
-        <p:nvPr/>
-      </p:nvGrpSpPr>
-      <p:grpSpPr>
-        <a:xfrm>
-          <a:off x="0" y="0"/>
-          <a:ext cx="0" cy="0"/>
-          <a:chOff x="0" y="0"/>
-          <a:chExt cx="0" cy="0"/>
-        </a:xfrm>
-      </p:grpSpPr>
-      <p:sp>
-        <p:nvSpPr>
-          <p:cNvPr id="2" name="Title 1">
-            <a:extLst>
-              <a:ext uri="{FF2B5EF4-FFF2-40B4-BE49-F238E27FC236}">
-                <a16:creationId xmlns:a16="http://schemas.microsoft.com/office/drawing/2014/main" id="{2EDFE349-02A5-498F-8D57-A9CAAFD8A585}"/>
-              </a:ext>
-            </a:extLst>
-          </p:cNvPr>
-          <p:cNvSpPr>
-            <a:spLocks noGrp="1"/>
-          </p:cNvSpPr>
-          <p:nvPr>
-            <p:ph type="title"/>
-          </p:nvPr>
-        </p:nvSpPr>
-        <p:spPr/>
-        <p:txBody>
-          <a:bodyPr/>
-          <a:lstStyle/>
-          <a:p>
-            <a:pPr algn="ctr"/>
-            <a:r>
-              <a:rPr lang="en-US" dirty="0"/>
-              <a:t>Entity Relationship Diagram (ERD)</a:t>
-            </a:r>
-          </a:p>
-        </p:txBody>
-      </p:sp>
-      <p:pic>
-        <p:nvPicPr>
-          <p:cNvPr id="5" name="Content Placeholder 4">
-            <a:extLst>
-              <a:ext uri="{FF2B5EF4-FFF2-40B4-BE49-F238E27FC236}">
-                <a16:creationId xmlns:a16="http://schemas.microsoft.com/office/drawing/2014/main" id="{69BAC5FE-BA7D-49F2-AC80-6EF0A41F4DE9}"/>
-              </a:ext>
-            </a:extLst>
-          </p:cNvPr>
-          <p:cNvPicPr>
-            <a:picLocks noGrp="1" noChangeAspect="1"/>
-          </p:cNvPicPr>
-          <p:nvPr>
-            <p:ph idx="1"/>
-          </p:nvPr>
-        </p:nvPicPr>
-        <p:blipFill>
-          <a:blip r:embed="rId2"/>
-          <a:stretch>
-            <a:fillRect/>
-          </a:stretch>
-        </p:blipFill>
-        <p:spPr>
-          <a:xfrm>
-            <a:off x="3042717" y="2603500"/>
-            <a:ext cx="5597429" cy="3834180"/>
-          </a:xfrm>
-        </p:spPr>
-      </p:pic>
-    </p:spTree>
-    <p:extLst>
-      <p:ext uri="{BB962C8B-B14F-4D97-AF65-F5344CB8AC3E}">
-        <p14:creationId xmlns:p14="http://schemas.microsoft.com/office/powerpoint/2010/main" val="4134739160"/>
-      </p:ext>
-    </p:extLst>
-  </p:cSld>
-  <p:clrMapOvr>
-    <a:masterClrMapping/>
-  </p:clrMapOvr>
-</p:sld>
-</file>
-
-<file path=ppt/slides/slide5.xml><?xml version="1.0" encoding="utf-8"?>
-<p:sld xmlns:a="http://schemas.openxmlformats.org/drawingml/2006/main" xmlns:r="http://schemas.openxmlformats.org/officeDocument/2006/relationships" xmlns:p="http://schemas.openxmlformats.org/presentationml/2006/main">
-  <p:cSld>
-    <p:spTree>
-      <p:nvGrpSpPr>
-        <p:cNvPr id="1" name=""/>
-        <p:cNvGrpSpPr/>
-        <p:nvPr/>
-      </p:nvGrpSpPr>
-      <p:grpSpPr>
-        <a:xfrm>
-          <a:off x="0" y="0"/>
-          <a:ext cx="0" cy="0"/>
-          <a:chOff x="0" y="0"/>
-          <a:chExt cx="0" cy="0"/>
-        </a:xfrm>
-      </p:grpSpPr>
-      <p:sp>
-        <p:nvSpPr>
-          <p:cNvPr id="2" name="Title 1">
-            <a:extLst>
-              <a:ext uri="{FF2B5EF4-FFF2-40B4-BE49-F238E27FC236}">
-                <a16:creationId xmlns:a16="http://schemas.microsoft.com/office/drawing/2014/main" id="{3A992708-4E14-4792-ACAE-5E4F41C491E7}"/>
-              </a:ext>
-            </a:extLst>
-          </p:cNvPr>
-          <p:cNvSpPr>
-            <a:spLocks noGrp="1"/>
-          </p:cNvSpPr>
-          <p:nvPr>
-            <p:ph type="title"/>
-          </p:nvPr>
-        </p:nvSpPr>
-        <p:spPr/>
-        <p:txBody>
-          <a:bodyPr/>
-          <a:lstStyle/>
-          <a:p>
-            <a:pPr algn="ctr"/>
-            <a:r>
-              <a:rPr lang="en-US" dirty="0"/>
-              <a:t>Dependencies in Pandas</a:t>
-            </a:r>
-          </a:p>
-        </p:txBody>
-      </p:sp>
-      <p:pic>
-        <p:nvPicPr>
-          <p:cNvPr id="5" name="Content Placeholder 4">
-            <a:extLst>
-              <a:ext uri="{FF2B5EF4-FFF2-40B4-BE49-F238E27FC236}">
-                <a16:creationId xmlns:a16="http://schemas.microsoft.com/office/drawing/2014/main" id="{E6CEE540-78FD-4996-9514-8B7913E7E99D}"/>
-              </a:ext>
-            </a:extLst>
-          </p:cNvPr>
-          <p:cNvPicPr>
-            <a:picLocks noGrp="1" noChangeAspect="1"/>
-          </p:cNvPicPr>
-          <p:nvPr>
-            <p:ph idx="1"/>
-          </p:nvPr>
-        </p:nvPicPr>
-        <p:blipFill>
-          <a:blip r:embed="rId2"/>
-          <a:stretch>
-            <a:fillRect/>
-          </a:stretch>
-        </p:blipFill>
-        <p:spPr>
-          <a:xfrm>
-            <a:off x="1314320" y="2744596"/>
-            <a:ext cx="8761413" cy="1156019"/>
-          </a:xfrm>
-        </p:spPr>
-      </p:pic>
-    </p:spTree>
-    <p:extLst>
-      <p:ext uri="{BB962C8B-B14F-4D97-AF65-F5344CB8AC3E}">
-        <p14:creationId xmlns:p14="http://schemas.microsoft.com/office/powerpoint/2010/main" val="2909282697"/>
-      </p:ext>
-    </p:extLst>
-  </p:cSld>
-  <p:clrMapOvr>
-    <a:masterClrMapping/>
-  </p:clrMapOvr>
-</p:sld>
-</file>
-
-<file path=ppt/slides/slide6.xml><?xml version="1.0" encoding="utf-8"?>
-<p:sld xmlns:a="http://schemas.openxmlformats.org/drawingml/2006/main" xmlns:r="http://schemas.openxmlformats.org/officeDocument/2006/relationships" xmlns:p="http://schemas.openxmlformats.org/presentationml/2006/main">
-  <p:cSld>
-    <p:spTree>
-      <p:nvGrpSpPr>
-        <p:cNvPr id="1" name=""/>
-        <p:cNvGrpSpPr/>
-        <p:nvPr/>
-      </p:nvGrpSpPr>
-      <p:grpSpPr>
-        <a:xfrm>
-          <a:off x="0" y="0"/>
-          <a:ext cx="0" cy="0"/>
-          <a:chOff x="0" y="0"/>
-          <a:chExt cx="0" cy="0"/>
-        </a:xfrm>
-      </p:grpSpPr>
-      <p:sp>
-        <p:nvSpPr>
-          <p:cNvPr id="2" name="Title 1">
-            <a:extLst>
-              <a:ext uri="{FF2B5EF4-FFF2-40B4-BE49-F238E27FC236}">
-                <a16:creationId xmlns:a16="http://schemas.microsoft.com/office/drawing/2014/main" id="{1C202FD0-1A23-468F-A78A-ED05C7D161CB}"/>
-              </a:ext>
-            </a:extLst>
-          </p:cNvPr>
-          <p:cNvSpPr>
-            <a:spLocks noGrp="1"/>
-          </p:cNvSpPr>
-          <p:nvPr>
-            <p:ph type="title"/>
-          </p:nvPr>
-        </p:nvSpPr>
-        <p:spPr/>
-        <p:txBody>
-          <a:bodyPr/>
-          <a:lstStyle/>
-          <a:p>
-            <a:pPr algn="ctr"/>
-            <a:r>
-              <a:rPr lang="en-US" sz="2400" dirty="0"/>
-              <a:t>Import csv files into </a:t>
-            </a:r>
-            <a:r>
-              <a:rPr lang="en-US" sz="2400" dirty="0" err="1"/>
-              <a:t>DataFrame</a:t>
-            </a:r>
-            <a:r>
-              <a:rPr lang="en-US" sz="2400" dirty="0"/>
-              <a:t>: movies csv &amp; tags csv</a:t>
-            </a:r>
-          </a:p>
-        </p:txBody>
-      </p:sp>
-      <p:pic>
-        <p:nvPicPr>
-          <p:cNvPr id="14" name="Content Placeholder 13">
-            <a:extLst>
-              <a:ext uri="{FF2B5EF4-FFF2-40B4-BE49-F238E27FC236}">
-                <a16:creationId xmlns:a16="http://schemas.microsoft.com/office/drawing/2014/main" id="{37C5C3C4-3122-40C0-B520-932CEA8ACDB7}"/>
-              </a:ext>
-            </a:extLst>
-          </p:cNvPr>
-          <p:cNvPicPr>
-            <a:picLocks noGrp="1" noChangeAspect="1"/>
-          </p:cNvPicPr>
-          <p:nvPr>
-            <p:ph sz="half" idx="2"/>
-          </p:nvPr>
-        </p:nvPicPr>
-        <p:blipFill>
-          <a:blip r:embed="rId2"/>
-          <a:stretch>
-            <a:fillRect/>
-          </a:stretch>
-        </p:blipFill>
-        <p:spPr>
-          <a:xfrm>
-            <a:off x="6208713" y="3247193"/>
-            <a:ext cx="4824412" cy="2090814"/>
-          </a:xfrm>
-        </p:spPr>
-      </p:pic>
-      <p:pic>
-        <p:nvPicPr>
-          <p:cNvPr id="12" name="Content Placeholder 11">
-            <a:extLst>
-              <a:ext uri="{FF2B5EF4-FFF2-40B4-BE49-F238E27FC236}">
-                <a16:creationId xmlns:a16="http://schemas.microsoft.com/office/drawing/2014/main" id="{C56D4EC3-09EB-4AD9-AFA6-CBE2B3CF8BE2}"/>
-              </a:ext>
-            </a:extLst>
-          </p:cNvPr>
-          <p:cNvPicPr>
-            <a:picLocks noGrp="1" noChangeAspect="1"/>
-          </p:cNvPicPr>
-          <p:nvPr>
-            <p:ph sz="half" idx="1"/>
-          </p:nvPr>
-        </p:nvPicPr>
-        <p:blipFill>
-          <a:blip r:embed="rId3"/>
-          <a:stretch>
-            <a:fillRect/>
-          </a:stretch>
-        </p:blipFill>
-        <p:spPr>
-          <a:xfrm>
-            <a:off x="1154113" y="3347111"/>
-            <a:ext cx="4829175" cy="1890977"/>
-          </a:xfrm>
-        </p:spPr>
-      </p:pic>
-    </p:spTree>
-    <p:extLst>
-      <p:ext uri="{BB962C8B-B14F-4D97-AF65-F5344CB8AC3E}">
-        <p14:creationId xmlns:p14="http://schemas.microsoft.com/office/powerpoint/2010/main" val="90244017"/>
-      </p:ext>
-    </p:extLst>
-  </p:cSld>
-  <p:clrMapOvr>
-    <a:masterClrMapping/>
-  </p:clrMapOvr>
-</p:sld>
-</file>
-
-<file path=ppt/slides/slide7.xml><?xml version="1.0" encoding="utf-8"?>
-<p:sld xmlns:a="http://schemas.openxmlformats.org/drawingml/2006/main" xmlns:r="http://schemas.openxmlformats.org/officeDocument/2006/relationships" xmlns:p="http://schemas.openxmlformats.org/presentationml/2006/main">
-  <p:cSld>
-    <p:spTree>
-      <p:nvGrpSpPr>
-        <p:cNvPr id="1" name=""/>
-        <p:cNvGrpSpPr/>
-        <p:nvPr/>
-      </p:nvGrpSpPr>
-      <p:grpSpPr>
-        <a:xfrm>
-          <a:off x="0" y="0"/>
-          <a:ext cx="0" cy="0"/>
-          <a:chOff x="0" y="0"/>
-          <a:chExt cx="0" cy="0"/>
-        </a:xfrm>
-      </p:grpSpPr>
-      <p:sp>
-        <p:nvSpPr>
-          <p:cNvPr id="2" name="Title 1">
-            <a:extLst>
-              <a:ext uri="{FF2B5EF4-FFF2-40B4-BE49-F238E27FC236}">
-                <a16:creationId xmlns:a16="http://schemas.microsoft.com/office/drawing/2014/main" id="{7AF2BE0C-5ADE-45D5-9C3A-313BCD3B1CB9}"/>
-              </a:ext>
-            </a:extLst>
-          </p:cNvPr>
-          <p:cNvSpPr>
-            <a:spLocks noGrp="1"/>
-          </p:cNvSpPr>
-          <p:nvPr>
-            <p:ph type="title"/>
-          </p:nvPr>
-        </p:nvSpPr>
-        <p:spPr/>
-        <p:txBody>
-          <a:bodyPr/>
-          <a:lstStyle/>
-          <a:p>
-            <a:pPr algn="ctr"/>
-            <a:r>
-              <a:rPr lang="en-US" sz="2400" dirty="0"/>
-              <a:t>Import csv files into </a:t>
-            </a:r>
-            <a:r>
-              <a:rPr lang="en-US" sz="2400" dirty="0" err="1"/>
-              <a:t>DataFrame</a:t>
-            </a:r>
-            <a:r>
-              <a:rPr lang="en-US" sz="2400" dirty="0"/>
-              <a:t>: ratings csv &amp; links csv</a:t>
-            </a:r>
-          </a:p>
-        </p:txBody>
-      </p:sp>
-      <p:pic>
-        <p:nvPicPr>
-          <p:cNvPr id="6" name="Content Placeholder 5">
-            <a:extLst>
-              <a:ext uri="{FF2B5EF4-FFF2-40B4-BE49-F238E27FC236}">
-                <a16:creationId xmlns:a16="http://schemas.microsoft.com/office/drawing/2014/main" id="{550AD85D-57E0-4A79-A261-84A282B26C76}"/>
-              </a:ext>
-            </a:extLst>
-          </p:cNvPr>
-          <p:cNvPicPr>
-            <a:picLocks noGrp="1" noChangeAspect="1"/>
-          </p:cNvPicPr>
-          <p:nvPr>
-            <p:ph sz="half" idx="1"/>
-          </p:nvPr>
-        </p:nvPicPr>
-        <p:blipFill>
-          <a:blip r:embed="rId2"/>
-          <a:stretch>
-            <a:fillRect/>
-          </a:stretch>
-        </p:blipFill>
-        <p:spPr>
-          <a:xfrm>
-            <a:off x="1150938" y="3318164"/>
-            <a:ext cx="4829175" cy="1986971"/>
-          </a:xfrm>
-        </p:spPr>
-      </p:pic>
-      <p:pic>
-        <p:nvPicPr>
-          <p:cNvPr id="8" name="Content Placeholder 7">
-            <a:extLst>
-              <a:ext uri="{FF2B5EF4-FFF2-40B4-BE49-F238E27FC236}">
-                <a16:creationId xmlns:a16="http://schemas.microsoft.com/office/drawing/2014/main" id="{E2AFEC9D-930B-4120-A0C3-A4CDAA7084FB}"/>
-              </a:ext>
-            </a:extLst>
-          </p:cNvPr>
-          <p:cNvPicPr>
-            <a:picLocks noGrp="1" noChangeAspect="1"/>
-          </p:cNvPicPr>
-          <p:nvPr>
-            <p:ph sz="half" idx="2"/>
-          </p:nvPr>
-        </p:nvPicPr>
-        <p:blipFill>
-          <a:blip r:embed="rId3"/>
-          <a:stretch>
-            <a:fillRect/>
-          </a:stretch>
-        </p:blipFill>
-        <p:spPr>
-          <a:xfrm>
-            <a:off x="6208713" y="3425390"/>
-            <a:ext cx="4824412" cy="1734420"/>
-          </a:xfrm>
-        </p:spPr>
-      </p:pic>
-    </p:spTree>
-    <p:extLst>
-      <p:ext uri="{BB962C8B-B14F-4D97-AF65-F5344CB8AC3E}">
-        <p14:creationId xmlns:p14="http://schemas.microsoft.com/office/powerpoint/2010/main" val="3269745053"/>
-      </p:ext>
-    </p:extLst>
-  </p:cSld>
-  <p:clrMapOvr>
-    <a:masterClrMapping/>
-  </p:clrMapOvr>
-</p:sld>
-</file>
-
-<file path=ppt/slides/slide8.xml><?xml version="1.0" encoding="utf-8"?>
-<p:sld xmlns:a="http://schemas.openxmlformats.org/drawingml/2006/main" xmlns:r="http://schemas.openxmlformats.org/officeDocument/2006/relationships" xmlns:p="http://schemas.openxmlformats.org/presentationml/2006/main">
-  <p:cSld>
-    <p:spTree>
-      <p:nvGrpSpPr>
-        <p:cNvPr id="1" name=""/>
-        <p:cNvGrpSpPr/>
-        <p:nvPr/>
-      </p:nvGrpSpPr>
-      <p:grpSpPr>
-        <a:xfrm>
-          <a:off x="0" y="0"/>
-          <a:ext cx="0" cy="0"/>
-          <a:chOff x="0" y="0"/>
-          <a:chExt cx="0" cy="0"/>
-        </a:xfrm>
-      </p:grpSpPr>
-      <p:sp>
-        <p:nvSpPr>
-          <p:cNvPr id="2" name="Title 1">
-            <a:extLst>
-              <a:ext uri="{FF2B5EF4-FFF2-40B4-BE49-F238E27FC236}">
-                <a16:creationId xmlns:a16="http://schemas.microsoft.com/office/drawing/2014/main" id="{8EB228D3-FDBA-40BA-9E26-0695AD605113}"/>
-              </a:ext>
-            </a:extLst>
-          </p:cNvPr>
-          <p:cNvSpPr>
-            <a:spLocks noGrp="1"/>
-          </p:cNvSpPr>
-          <p:nvPr>
-            <p:ph type="title"/>
-          </p:nvPr>
-        </p:nvSpPr>
-        <p:spPr/>
-        <p:txBody>
-          <a:bodyPr/>
-          <a:lstStyle/>
-          <a:p>
-            <a:pPr algn="ctr"/>
-            <a:r>
-              <a:rPr lang="en-US" sz="3200" dirty="0"/>
-              <a:t>Clean </a:t>
-            </a:r>
-            <a:r>
-              <a:rPr lang="en-US" sz="3200" dirty="0" err="1"/>
-              <a:t>DataFrame</a:t>
-            </a:r>
-            <a:r>
-              <a:rPr lang="en-US" sz="3200" dirty="0"/>
-              <a:t> for null &amp; empty columns</a:t>
-            </a:r>
-          </a:p>
-        </p:txBody>
-      </p:sp>
-      <p:pic>
-        <p:nvPicPr>
-          <p:cNvPr id="7" name="Content Placeholder 6">
-            <a:extLst>
-              <a:ext uri="{FF2B5EF4-FFF2-40B4-BE49-F238E27FC236}">
-                <a16:creationId xmlns:a16="http://schemas.microsoft.com/office/drawing/2014/main" id="{1095F9F7-DB35-4E41-A3C6-6F947A2AFBB2}"/>
-              </a:ext>
-            </a:extLst>
-          </p:cNvPr>
-          <p:cNvPicPr>
-            <a:picLocks noGrp="1" noChangeAspect="1"/>
-          </p:cNvPicPr>
-          <p:nvPr>
-            <p:ph idx="1"/>
-          </p:nvPr>
-        </p:nvPicPr>
-        <p:blipFill>
-          <a:blip r:embed="rId2"/>
-          <a:stretch>
-            <a:fillRect/>
-          </a:stretch>
-        </p:blipFill>
-        <p:spPr>
-          <a:xfrm>
-            <a:off x="2295002" y="2603500"/>
-            <a:ext cx="6482808" cy="3416300"/>
-          </a:xfrm>
-        </p:spPr>
-      </p:pic>
-    </p:spTree>
-    <p:extLst>
-      <p:ext uri="{BB962C8B-B14F-4D97-AF65-F5344CB8AC3E}">
-        <p14:creationId xmlns:p14="http://schemas.microsoft.com/office/powerpoint/2010/main" val="2017706533"/>
-      </p:ext>
-    </p:extLst>
-  </p:cSld>
-  <p:clrMapOvr>
-    <a:masterClrMapping/>
-  </p:clrMapOvr>
-</p:sld>
-</file>
-
-<file path=ppt/slides/slide9.xml><?xml version="1.0" encoding="utf-8"?>
-<p:sld xmlns:a="http://schemas.openxmlformats.org/drawingml/2006/main" xmlns:r="http://schemas.openxmlformats.org/officeDocument/2006/relationships" xmlns:p="http://schemas.openxmlformats.org/presentationml/2006/main">
-  <p:cSld>
-    <p:spTree>
-      <p:nvGrpSpPr>
-        <p:cNvPr id="1" name=""/>
-        <p:cNvGrpSpPr/>
-        <p:nvPr/>
-      </p:nvGrpSpPr>
-      <p:grpSpPr>
-        <a:xfrm>
-          <a:off x="0" y="0"/>
-          <a:ext cx="0" cy="0"/>
-          <a:chOff x="0" y="0"/>
-          <a:chExt cx="0" cy="0"/>
-        </a:xfrm>
-      </p:grpSpPr>
-      <p:sp>
-        <p:nvSpPr>
-          <p:cNvPr id="2" name="Title 1">
-            <a:extLst>
-              <a:ext uri="{FF2B5EF4-FFF2-40B4-BE49-F238E27FC236}">
-                <a16:creationId xmlns:a16="http://schemas.microsoft.com/office/drawing/2014/main" id="{F6725B28-A283-4CA8-A044-F4446EC91FD2}"/>
-              </a:ext>
-            </a:extLst>
-          </p:cNvPr>
-          <p:cNvSpPr>
-            <a:spLocks noGrp="1"/>
-          </p:cNvSpPr>
-          <p:nvPr>
-            <p:ph type="title"/>
-          </p:nvPr>
-        </p:nvSpPr>
-        <p:spPr/>
-        <p:txBody>
-          <a:bodyPr/>
-          <a:lstStyle/>
-          <a:p>
-            <a:pPr algn="ctr"/>
-            <a:r>
-              <a:rPr lang="en-US" dirty="0"/>
-              <a:t>Create a new </a:t>
-            </a:r>
-            <a:r>
-              <a:rPr lang="en-US" dirty="0" err="1"/>
-              <a:t>DataFrame</a:t>
-            </a:r>
-            <a:r>
-              <a:rPr lang="en-US" dirty="0"/>
-              <a:t> for genre</a:t>
-            </a:r>
-          </a:p>
-        </p:txBody>
-      </p:sp>
-      <p:pic>
-        <p:nvPicPr>
-          <p:cNvPr id="19" name="Content Placeholder 18">
-            <a:extLst>
-              <a:ext uri="{FF2B5EF4-FFF2-40B4-BE49-F238E27FC236}">
-                <a16:creationId xmlns:a16="http://schemas.microsoft.com/office/drawing/2014/main" id="{A161429D-1FF2-4923-9F9C-A8CE529A7906}"/>
-              </a:ext>
-            </a:extLst>
-          </p:cNvPr>
-          <p:cNvPicPr>
-            <a:picLocks noGrp="1" noChangeAspect="1"/>
-          </p:cNvPicPr>
-          <p:nvPr>
-            <p:ph sz="half" idx="2"/>
-          </p:nvPr>
-        </p:nvPicPr>
-        <p:blipFill>
-          <a:blip r:embed="rId2"/>
-          <a:stretch>
-            <a:fillRect/>
-          </a:stretch>
-        </p:blipFill>
-        <p:spPr>
-          <a:xfrm>
-            <a:off x="6945591" y="2603500"/>
-            <a:ext cx="4124763" cy="3378200"/>
-          </a:xfrm>
-        </p:spPr>
-      </p:pic>
-      <p:pic>
-        <p:nvPicPr>
-          <p:cNvPr id="17" name="Content Placeholder 16">
-            <a:extLst>
-              <a:ext uri="{FF2B5EF4-FFF2-40B4-BE49-F238E27FC236}">
-                <a16:creationId xmlns:a16="http://schemas.microsoft.com/office/drawing/2014/main" id="{C75144EE-85D8-4540-BCDD-0759CCD2315D}"/>
-              </a:ext>
-            </a:extLst>
-          </p:cNvPr>
-          <p:cNvPicPr>
-            <a:picLocks noGrp="1" noChangeAspect="1"/>
-          </p:cNvPicPr>
-          <p:nvPr>
-            <p:ph sz="half" idx="1"/>
-          </p:nvPr>
-        </p:nvPicPr>
-        <p:blipFill>
-          <a:blip r:embed="rId3"/>
-          <a:stretch>
-            <a:fillRect/>
-          </a:stretch>
-        </p:blipFill>
-        <p:spPr>
-          <a:xfrm>
-            <a:off x="637429" y="2733870"/>
-            <a:ext cx="5267279" cy="2878078"/>
-          </a:xfrm>
-        </p:spPr>
-      </p:pic>
-      <p:sp>
-        <p:nvSpPr>
-          <p:cNvPr id="20" name="Arrow: Right 19">
-            <a:extLst>
-              <a:ext uri="{FF2B5EF4-FFF2-40B4-BE49-F238E27FC236}">
-                <a16:creationId xmlns:a16="http://schemas.microsoft.com/office/drawing/2014/main" id="{BC89087F-45BC-4FA4-8281-02C9A18D7950}"/>
-              </a:ext>
-            </a:extLst>
-          </p:cNvPr>
-          <p:cNvSpPr/>
-          <p:nvPr/>
-        </p:nvSpPr>
-        <p:spPr>
-          <a:xfrm>
-            <a:off x="6287294" y="4033349"/>
-            <a:ext cx="510073" cy="324048"/>
-          </a:xfrm>
-          <a:prstGeom prst="rightArrow">
-            <a:avLst/>
-          </a:prstGeom>
-          <a:solidFill>
-            <a:schemeClr val="tx1"/>
-          </a:solidFill>
-          <a:ln>
-            <a:solidFill>
-              <a:schemeClr val="bg1"/>
-            </a:solidFill>
-          </a:ln>
-        </p:spPr>
-        <p:style>
-          <a:lnRef idx="2">
-            <a:schemeClr val="accent1">
-              <a:shade val="50000"/>
-            </a:schemeClr>
-          </a:lnRef>
-          <a:fillRef idx="1">
-            <a:schemeClr val="accent1"/>
-          </a:fillRef>
-          <a:effectRef idx="0">
-            <a:schemeClr val="accent1"/>
-          </a:effectRef>
-          <a:fontRef idx="minor">
-            <a:schemeClr val="lt1"/>
-          </a:fontRef>
-        </p:style>
-        <p:txBody>
-          <a:bodyPr rtlCol="0" anchor="ctr"/>
-          <a:lstStyle/>
-          <a:p>
-            <a:pPr algn="ctr"/>
-            <a:endParaRPr lang="en-US"/>
-          </a:p>
-        </p:txBody>
-      </p:sp>
-    </p:spTree>
-    <p:extLst>
-      <p:ext uri="{BB962C8B-B14F-4D97-AF65-F5344CB8AC3E}">
-        <p14:creationId xmlns:p14="http://schemas.microsoft.com/office/powerpoint/2010/main" val="3137841531"/>
       </p:ext>
     </p:extLst>
   </p:cSld>
